--- a/presentation2/Presentation.pptx
+++ b/presentation2/Presentation.pptx
@@ -5,21 +5,17 @@
     <p:sldMasterId id="2147483747" r:id="rId1"/>
   </p:sldMasterIdLst>
   <p:notesMasterIdLst>
-    <p:notesMasterId r:id="rId11"/>
+    <p:notesMasterId r:id="rId7"/>
   </p:notesMasterIdLst>
   <p:handoutMasterIdLst>
-    <p:handoutMasterId r:id="rId12"/>
+    <p:handoutMasterId r:id="rId8"/>
   </p:handoutMasterIdLst>
   <p:sldIdLst>
     <p:sldId id="256" r:id="rId2"/>
     <p:sldId id="265" r:id="rId3"/>
-    <p:sldId id="258" r:id="rId4"/>
-    <p:sldId id="259" r:id="rId5"/>
-    <p:sldId id="260" r:id="rId6"/>
-    <p:sldId id="261" r:id="rId7"/>
-    <p:sldId id="262" r:id="rId8"/>
-    <p:sldId id="263" r:id="rId9"/>
-    <p:sldId id="264" r:id="rId10"/>
+    <p:sldId id="266" r:id="rId4"/>
+    <p:sldId id="267" r:id="rId5"/>
+    <p:sldId id="264" r:id="rId6"/>
   </p:sldIdLst>
   <p:sldSz cx="12192000" cy="6858000"/>
   <p:notesSz cx="6858000" cy="9144000"/>
@@ -208,7 +204,7 @@
           <a:p>
             <a:fld id="{6BED733F-F041-4DE7-B29D-DFF0B3381A7D}" type="datetimeFigureOut">
               <a:rPr lang="en-US" smtClean="0"/>
-              <a:t>3/24/2015</a:t>
+              <a:t>3/26/2015</a:t>
             </a:fld>
             <a:endParaRPr lang="en-US"/>
           </a:p>
@@ -373,7 +369,7 @@
           <a:p>
             <a:fld id="{B4BD9382-899A-48EE-A56D-B10B8C6E8317}" type="datetimeFigureOut">
               <a:rPr lang="en-US" smtClean="0"/>
-              <a:t>3/24/2015</a:t>
+              <a:t>3/26/2015</a:t>
             </a:fld>
             <a:endParaRPr lang="en-US"/>
           </a:p>
@@ -874,511 +870,7 @@
           <a:p>
             <a:fld id="{707F53B3-AD6C-44D7-B489-66BBF4EF5B97}" type="slidenum">
               <a:rPr lang="en-US" smtClean="0"/>
-              <a:t>3</a:t>
-            </a:fld>
-            <a:endParaRPr lang="en-US"/>
-          </a:p>
-        </p:txBody>
-      </p:sp>
-    </p:spTree>
-    <p:extLst>
-      <p:ext uri="{BB962C8B-B14F-4D97-AF65-F5344CB8AC3E}">
-        <p14:creationId xmlns:p14="http://schemas.microsoft.com/office/powerpoint/2010/main" val="1968081251"/>
-      </p:ext>
-    </p:extLst>
-  </p:cSld>
-  <p:clrMapOvr>
-    <a:masterClrMapping/>
-  </p:clrMapOvr>
-</p:notes>
-</file>
-
-<file path=ppt/notesSlides/notesSlide4.xml><?xml version="1.0" encoding="utf-8"?>
-<p:notes xmlns:a="http://schemas.openxmlformats.org/drawingml/2006/main" xmlns:r="http://schemas.openxmlformats.org/officeDocument/2006/relationships" xmlns:p="http://schemas.openxmlformats.org/presentationml/2006/main">
-  <p:cSld>
-    <p:spTree>
-      <p:nvGrpSpPr>
-        <p:cNvPr id="1" name=""/>
-        <p:cNvGrpSpPr/>
-        <p:nvPr/>
-      </p:nvGrpSpPr>
-      <p:grpSpPr>
-        <a:xfrm>
-          <a:off x="0" y="0"/>
-          <a:ext cx="0" cy="0"/>
-          <a:chOff x="0" y="0"/>
-          <a:chExt cx="0" cy="0"/>
-        </a:xfrm>
-      </p:grpSpPr>
-      <p:sp>
-        <p:nvSpPr>
-          <p:cNvPr id="2" name="Slide Image Placeholder 1"/>
-          <p:cNvSpPr>
-            <a:spLocks noGrp="1" noRot="1" noChangeAspect="1"/>
-          </p:cNvSpPr>
-          <p:nvPr>
-            <p:ph type="sldImg"/>
-          </p:nvPr>
-        </p:nvSpPr>
-        <p:spPr/>
-      </p:sp>
-      <p:sp>
-        <p:nvSpPr>
-          <p:cNvPr id="3" name="Notes Placeholder 2"/>
-          <p:cNvSpPr>
-            <a:spLocks noGrp="1"/>
-          </p:cNvSpPr>
-          <p:nvPr>
-            <p:ph type="body" idx="1"/>
-          </p:nvPr>
-        </p:nvSpPr>
-        <p:spPr/>
-        <p:txBody>
-          <a:bodyPr/>
-          <a:lstStyle/>
-          <a:p>
-            <a:endParaRPr lang="en-US"/>
-          </a:p>
-        </p:txBody>
-      </p:sp>
-      <p:sp>
-        <p:nvSpPr>
-          <p:cNvPr id="4" name="Slide Number Placeholder 3"/>
-          <p:cNvSpPr>
-            <a:spLocks noGrp="1"/>
-          </p:cNvSpPr>
-          <p:nvPr>
-            <p:ph type="sldNum" sz="quarter" idx="10"/>
-          </p:nvPr>
-        </p:nvSpPr>
-        <p:spPr/>
-        <p:txBody>
-          <a:bodyPr/>
-          <a:lstStyle/>
-          <a:p>
-            <a:fld id="{707F53B3-AD6C-44D7-B489-66BBF4EF5B97}" type="slidenum">
-              <a:rPr lang="en-US" smtClean="0"/>
-              <a:t>4</a:t>
-            </a:fld>
-            <a:endParaRPr lang="en-US"/>
-          </a:p>
-        </p:txBody>
-      </p:sp>
-    </p:spTree>
-    <p:extLst>
-      <p:ext uri="{BB962C8B-B14F-4D97-AF65-F5344CB8AC3E}">
-        <p14:creationId xmlns:p14="http://schemas.microsoft.com/office/powerpoint/2010/main" val="2929243973"/>
-      </p:ext>
-    </p:extLst>
-  </p:cSld>
-  <p:clrMapOvr>
-    <a:masterClrMapping/>
-  </p:clrMapOvr>
-</p:notes>
-</file>
-
-<file path=ppt/notesSlides/notesSlide5.xml><?xml version="1.0" encoding="utf-8"?>
-<p:notes xmlns:a="http://schemas.openxmlformats.org/drawingml/2006/main" xmlns:r="http://schemas.openxmlformats.org/officeDocument/2006/relationships" xmlns:p="http://schemas.openxmlformats.org/presentationml/2006/main">
-  <p:cSld>
-    <p:spTree>
-      <p:nvGrpSpPr>
-        <p:cNvPr id="1" name=""/>
-        <p:cNvGrpSpPr/>
-        <p:nvPr/>
-      </p:nvGrpSpPr>
-      <p:grpSpPr>
-        <a:xfrm>
-          <a:off x="0" y="0"/>
-          <a:ext cx="0" cy="0"/>
-          <a:chOff x="0" y="0"/>
-          <a:chExt cx="0" cy="0"/>
-        </a:xfrm>
-      </p:grpSpPr>
-      <p:sp>
-        <p:nvSpPr>
-          <p:cNvPr id="2" name="Slide Image Placeholder 1"/>
-          <p:cNvSpPr>
-            <a:spLocks noGrp="1" noRot="1" noChangeAspect="1"/>
-          </p:cNvSpPr>
-          <p:nvPr>
-            <p:ph type="sldImg"/>
-          </p:nvPr>
-        </p:nvSpPr>
-        <p:spPr/>
-      </p:sp>
-      <p:sp>
-        <p:nvSpPr>
-          <p:cNvPr id="3" name="Notes Placeholder 2"/>
-          <p:cNvSpPr>
-            <a:spLocks noGrp="1"/>
-          </p:cNvSpPr>
-          <p:nvPr>
-            <p:ph type="body" idx="1"/>
-          </p:nvPr>
-        </p:nvSpPr>
-        <p:spPr/>
-        <p:txBody>
-          <a:bodyPr/>
-          <a:lstStyle/>
-          <a:p>
-            <a:endParaRPr lang="en-US"/>
-          </a:p>
-        </p:txBody>
-      </p:sp>
-      <p:sp>
-        <p:nvSpPr>
-          <p:cNvPr id="4" name="Slide Number Placeholder 3"/>
-          <p:cNvSpPr>
-            <a:spLocks noGrp="1"/>
-          </p:cNvSpPr>
-          <p:nvPr>
-            <p:ph type="sldNum" sz="quarter" idx="10"/>
-          </p:nvPr>
-        </p:nvSpPr>
-        <p:spPr/>
-        <p:txBody>
-          <a:bodyPr/>
-          <a:lstStyle/>
-          <a:p>
-            <a:fld id="{707F53B3-AD6C-44D7-B489-66BBF4EF5B97}" type="slidenum">
-              <a:rPr lang="en-US" smtClean="0"/>
               <a:t>5</a:t>
-            </a:fld>
-            <a:endParaRPr lang="en-US"/>
-          </a:p>
-        </p:txBody>
-      </p:sp>
-    </p:spTree>
-    <p:extLst>
-      <p:ext uri="{BB962C8B-B14F-4D97-AF65-F5344CB8AC3E}">
-        <p14:creationId xmlns:p14="http://schemas.microsoft.com/office/powerpoint/2010/main" val="936343799"/>
-      </p:ext>
-    </p:extLst>
-  </p:cSld>
-  <p:clrMapOvr>
-    <a:masterClrMapping/>
-  </p:clrMapOvr>
-</p:notes>
-</file>
-
-<file path=ppt/notesSlides/notesSlide6.xml><?xml version="1.0" encoding="utf-8"?>
-<p:notes xmlns:a="http://schemas.openxmlformats.org/drawingml/2006/main" xmlns:r="http://schemas.openxmlformats.org/officeDocument/2006/relationships" xmlns:p="http://schemas.openxmlformats.org/presentationml/2006/main">
-  <p:cSld>
-    <p:spTree>
-      <p:nvGrpSpPr>
-        <p:cNvPr id="1" name=""/>
-        <p:cNvGrpSpPr/>
-        <p:nvPr/>
-      </p:nvGrpSpPr>
-      <p:grpSpPr>
-        <a:xfrm>
-          <a:off x="0" y="0"/>
-          <a:ext cx="0" cy="0"/>
-          <a:chOff x="0" y="0"/>
-          <a:chExt cx="0" cy="0"/>
-        </a:xfrm>
-      </p:grpSpPr>
-      <p:sp>
-        <p:nvSpPr>
-          <p:cNvPr id="2" name="Slide Image Placeholder 1"/>
-          <p:cNvSpPr>
-            <a:spLocks noGrp="1" noRot="1" noChangeAspect="1"/>
-          </p:cNvSpPr>
-          <p:nvPr>
-            <p:ph type="sldImg"/>
-          </p:nvPr>
-        </p:nvSpPr>
-        <p:spPr/>
-      </p:sp>
-      <p:sp>
-        <p:nvSpPr>
-          <p:cNvPr id="3" name="Notes Placeholder 2"/>
-          <p:cNvSpPr>
-            <a:spLocks noGrp="1"/>
-          </p:cNvSpPr>
-          <p:nvPr>
-            <p:ph type="body" idx="1"/>
-          </p:nvPr>
-        </p:nvSpPr>
-        <p:spPr/>
-        <p:txBody>
-          <a:bodyPr/>
-          <a:lstStyle/>
-          <a:p>
-            <a:endParaRPr lang="en-US"/>
-          </a:p>
-        </p:txBody>
-      </p:sp>
-      <p:sp>
-        <p:nvSpPr>
-          <p:cNvPr id="4" name="Slide Number Placeholder 3"/>
-          <p:cNvSpPr>
-            <a:spLocks noGrp="1"/>
-          </p:cNvSpPr>
-          <p:nvPr>
-            <p:ph type="sldNum" sz="quarter" idx="10"/>
-          </p:nvPr>
-        </p:nvSpPr>
-        <p:spPr/>
-        <p:txBody>
-          <a:bodyPr/>
-          <a:lstStyle/>
-          <a:p>
-            <a:fld id="{707F53B3-AD6C-44D7-B489-66BBF4EF5B97}" type="slidenum">
-              <a:rPr lang="en-US" smtClean="0"/>
-              <a:t>6</a:t>
-            </a:fld>
-            <a:endParaRPr lang="en-US"/>
-          </a:p>
-        </p:txBody>
-      </p:sp>
-    </p:spTree>
-    <p:extLst>
-      <p:ext uri="{BB962C8B-B14F-4D97-AF65-F5344CB8AC3E}">
-        <p14:creationId xmlns:p14="http://schemas.microsoft.com/office/powerpoint/2010/main" val="422218493"/>
-      </p:ext>
-    </p:extLst>
-  </p:cSld>
-  <p:clrMapOvr>
-    <a:masterClrMapping/>
-  </p:clrMapOvr>
-</p:notes>
-</file>
-
-<file path=ppt/notesSlides/notesSlide7.xml><?xml version="1.0" encoding="utf-8"?>
-<p:notes xmlns:a="http://schemas.openxmlformats.org/drawingml/2006/main" xmlns:r="http://schemas.openxmlformats.org/officeDocument/2006/relationships" xmlns:p="http://schemas.openxmlformats.org/presentationml/2006/main">
-  <p:cSld>
-    <p:spTree>
-      <p:nvGrpSpPr>
-        <p:cNvPr id="1" name=""/>
-        <p:cNvGrpSpPr/>
-        <p:nvPr/>
-      </p:nvGrpSpPr>
-      <p:grpSpPr>
-        <a:xfrm>
-          <a:off x="0" y="0"/>
-          <a:ext cx="0" cy="0"/>
-          <a:chOff x="0" y="0"/>
-          <a:chExt cx="0" cy="0"/>
-        </a:xfrm>
-      </p:grpSpPr>
-      <p:sp>
-        <p:nvSpPr>
-          <p:cNvPr id="2" name="Slide Image Placeholder 1"/>
-          <p:cNvSpPr>
-            <a:spLocks noGrp="1" noRot="1" noChangeAspect="1"/>
-          </p:cNvSpPr>
-          <p:nvPr>
-            <p:ph type="sldImg"/>
-          </p:nvPr>
-        </p:nvSpPr>
-        <p:spPr/>
-      </p:sp>
-      <p:sp>
-        <p:nvSpPr>
-          <p:cNvPr id="3" name="Notes Placeholder 2"/>
-          <p:cNvSpPr>
-            <a:spLocks noGrp="1"/>
-          </p:cNvSpPr>
-          <p:nvPr>
-            <p:ph type="body" idx="1"/>
-          </p:nvPr>
-        </p:nvSpPr>
-        <p:spPr/>
-        <p:txBody>
-          <a:bodyPr/>
-          <a:lstStyle/>
-          <a:p>
-            <a:endParaRPr lang="en-US"/>
-          </a:p>
-        </p:txBody>
-      </p:sp>
-      <p:sp>
-        <p:nvSpPr>
-          <p:cNvPr id="4" name="Slide Number Placeholder 3"/>
-          <p:cNvSpPr>
-            <a:spLocks noGrp="1"/>
-          </p:cNvSpPr>
-          <p:nvPr>
-            <p:ph type="sldNum" sz="quarter" idx="10"/>
-          </p:nvPr>
-        </p:nvSpPr>
-        <p:spPr/>
-        <p:txBody>
-          <a:bodyPr/>
-          <a:lstStyle/>
-          <a:p>
-            <a:fld id="{707F53B3-AD6C-44D7-B489-66BBF4EF5B97}" type="slidenum">
-              <a:rPr lang="en-US" smtClean="0"/>
-              <a:t>7</a:t>
-            </a:fld>
-            <a:endParaRPr lang="en-US"/>
-          </a:p>
-        </p:txBody>
-      </p:sp>
-    </p:spTree>
-    <p:extLst>
-      <p:ext uri="{BB962C8B-B14F-4D97-AF65-F5344CB8AC3E}">
-        <p14:creationId xmlns:p14="http://schemas.microsoft.com/office/powerpoint/2010/main" val="3230151287"/>
-      </p:ext>
-    </p:extLst>
-  </p:cSld>
-  <p:clrMapOvr>
-    <a:masterClrMapping/>
-  </p:clrMapOvr>
-</p:notes>
-</file>
-
-<file path=ppt/notesSlides/notesSlide8.xml><?xml version="1.0" encoding="utf-8"?>
-<p:notes xmlns:a="http://schemas.openxmlformats.org/drawingml/2006/main" xmlns:r="http://schemas.openxmlformats.org/officeDocument/2006/relationships" xmlns:p="http://schemas.openxmlformats.org/presentationml/2006/main">
-  <p:cSld>
-    <p:spTree>
-      <p:nvGrpSpPr>
-        <p:cNvPr id="1" name=""/>
-        <p:cNvGrpSpPr/>
-        <p:nvPr/>
-      </p:nvGrpSpPr>
-      <p:grpSpPr>
-        <a:xfrm>
-          <a:off x="0" y="0"/>
-          <a:ext cx="0" cy="0"/>
-          <a:chOff x="0" y="0"/>
-          <a:chExt cx="0" cy="0"/>
-        </a:xfrm>
-      </p:grpSpPr>
-      <p:sp>
-        <p:nvSpPr>
-          <p:cNvPr id="2" name="Slide Image Placeholder 1"/>
-          <p:cNvSpPr>
-            <a:spLocks noGrp="1" noRot="1" noChangeAspect="1"/>
-          </p:cNvSpPr>
-          <p:nvPr>
-            <p:ph type="sldImg"/>
-          </p:nvPr>
-        </p:nvSpPr>
-        <p:spPr/>
-      </p:sp>
-      <p:sp>
-        <p:nvSpPr>
-          <p:cNvPr id="3" name="Notes Placeholder 2"/>
-          <p:cNvSpPr>
-            <a:spLocks noGrp="1"/>
-          </p:cNvSpPr>
-          <p:nvPr>
-            <p:ph type="body" idx="1"/>
-          </p:nvPr>
-        </p:nvSpPr>
-        <p:spPr/>
-        <p:txBody>
-          <a:bodyPr/>
-          <a:lstStyle/>
-          <a:p>
-            <a:endParaRPr lang="en-US"/>
-          </a:p>
-        </p:txBody>
-      </p:sp>
-      <p:sp>
-        <p:nvSpPr>
-          <p:cNvPr id="4" name="Slide Number Placeholder 3"/>
-          <p:cNvSpPr>
-            <a:spLocks noGrp="1"/>
-          </p:cNvSpPr>
-          <p:nvPr>
-            <p:ph type="sldNum" sz="quarter" idx="10"/>
-          </p:nvPr>
-        </p:nvSpPr>
-        <p:spPr/>
-        <p:txBody>
-          <a:bodyPr/>
-          <a:lstStyle/>
-          <a:p>
-            <a:fld id="{707F53B3-AD6C-44D7-B489-66BBF4EF5B97}" type="slidenum">
-              <a:rPr lang="en-US" smtClean="0"/>
-              <a:t>8</a:t>
-            </a:fld>
-            <a:endParaRPr lang="en-US"/>
-          </a:p>
-        </p:txBody>
-      </p:sp>
-    </p:spTree>
-    <p:extLst>
-      <p:ext uri="{BB962C8B-B14F-4D97-AF65-F5344CB8AC3E}">
-        <p14:creationId xmlns:p14="http://schemas.microsoft.com/office/powerpoint/2010/main" val="1259480710"/>
-      </p:ext>
-    </p:extLst>
-  </p:cSld>
-  <p:clrMapOvr>
-    <a:masterClrMapping/>
-  </p:clrMapOvr>
-</p:notes>
-</file>
-
-<file path=ppt/notesSlides/notesSlide9.xml><?xml version="1.0" encoding="utf-8"?>
-<p:notes xmlns:a="http://schemas.openxmlformats.org/drawingml/2006/main" xmlns:r="http://schemas.openxmlformats.org/officeDocument/2006/relationships" xmlns:p="http://schemas.openxmlformats.org/presentationml/2006/main">
-  <p:cSld>
-    <p:spTree>
-      <p:nvGrpSpPr>
-        <p:cNvPr id="1" name=""/>
-        <p:cNvGrpSpPr/>
-        <p:nvPr/>
-      </p:nvGrpSpPr>
-      <p:grpSpPr>
-        <a:xfrm>
-          <a:off x="0" y="0"/>
-          <a:ext cx="0" cy="0"/>
-          <a:chOff x="0" y="0"/>
-          <a:chExt cx="0" cy="0"/>
-        </a:xfrm>
-      </p:grpSpPr>
-      <p:sp>
-        <p:nvSpPr>
-          <p:cNvPr id="2" name="Slide Image Placeholder 1"/>
-          <p:cNvSpPr>
-            <a:spLocks noGrp="1" noRot="1" noChangeAspect="1"/>
-          </p:cNvSpPr>
-          <p:nvPr>
-            <p:ph type="sldImg"/>
-          </p:nvPr>
-        </p:nvSpPr>
-        <p:spPr/>
-      </p:sp>
-      <p:sp>
-        <p:nvSpPr>
-          <p:cNvPr id="3" name="Notes Placeholder 2"/>
-          <p:cNvSpPr>
-            <a:spLocks noGrp="1"/>
-          </p:cNvSpPr>
-          <p:nvPr>
-            <p:ph type="body" idx="1"/>
-          </p:nvPr>
-        </p:nvSpPr>
-        <p:spPr/>
-        <p:txBody>
-          <a:bodyPr/>
-          <a:lstStyle/>
-          <a:p>
-            <a:endParaRPr lang="en-US"/>
-          </a:p>
-        </p:txBody>
-      </p:sp>
-      <p:sp>
-        <p:nvSpPr>
-          <p:cNvPr id="4" name="Slide Number Placeholder 3"/>
-          <p:cNvSpPr>
-            <a:spLocks noGrp="1"/>
-          </p:cNvSpPr>
-          <p:nvPr>
-            <p:ph type="sldNum" sz="quarter" idx="10"/>
-          </p:nvPr>
-        </p:nvSpPr>
-        <p:spPr/>
-        <p:txBody>
-          <a:bodyPr/>
-          <a:lstStyle/>
-          <a:p>
-            <a:fld id="{707F53B3-AD6C-44D7-B489-66BBF4EF5B97}" type="slidenum">
-              <a:rPr lang="en-US" smtClean="0"/>
-              <a:t>9</a:t>
             </a:fld>
             <a:endParaRPr lang="en-US"/>
           </a:p>
@@ -2142,7 +1634,7 @@
           <a:p>
             <a:fld id="{206EFEAF-1218-4239-B8F8-9D00AAA8B4F6}" type="datetimeFigureOut">
               <a:rPr lang="en-US" smtClean="0"/>
-              <a:t>3/24/2015</a:t>
+              <a:t>3/26/2015</a:t>
             </a:fld>
             <a:endParaRPr lang="en-US"/>
           </a:p>
@@ -2393,7 +1885,7 @@
           <a:p>
             <a:fld id="{206EFEAF-1218-4239-B8F8-9D00AAA8B4F6}" type="datetimeFigureOut">
               <a:rPr lang="en-US" smtClean="0"/>
-              <a:t>3/24/2015</a:t>
+              <a:t>3/26/2015</a:t>
             </a:fld>
             <a:endParaRPr lang="en-US"/>
           </a:p>
@@ -2707,7 +2199,7 @@
           <a:p>
             <a:fld id="{206EFEAF-1218-4239-B8F8-9D00AAA8B4F6}" type="datetimeFigureOut">
               <a:rPr lang="en-US" smtClean="0"/>
-              <a:t>3/24/2015</a:t>
+              <a:t>3/26/2015</a:t>
             </a:fld>
             <a:endParaRPr lang="en-US"/>
           </a:p>
@@ -3040,7 +2532,7 @@
           <a:p>
             <a:fld id="{206EFEAF-1218-4239-B8F8-9D00AAA8B4F6}" type="datetimeFigureOut">
               <a:rPr lang="en-US" smtClean="0"/>
-              <a:t>3/24/2015</a:t>
+              <a:t>3/26/2015</a:t>
             </a:fld>
             <a:endParaRPr lang="en-US"/>
           </a:p>
@@ -3354,7 +2846,7 @@
           <a:p>
             <a:fld id="{206EFEAF-1218-4239-B8F8-9D00AAA8B4F6}" type="datetimeFigureOut">
               <a:rPr lang="en-US" smtClean="0"/>
-              <a:t>3/24/2015</a:t>
+              <a:t>3/26/2015</a:t>
             </a:fld>
             <a:endParaRPr lang="en-US"/>
           </a:p>
@@ -3747,7 +3239,7 @@
           <a:p>
             <a:fld id="{206EFEAF-1218-4239-B8F8-9D00AAA8B4F6}" type="datetimeFigureOut">
               <a:rPr lang="en-US" smtClean="0"/>
-              <a:t>3/24/2015</a:t>
+              <a:t>3/26/2015</a:t>
             </a:fld>
             <a:endParaRPr lang="en-US"/>
           </a:p>
@@ -3917,7 +3409,7 @@
           <a:p>
             <a:fld id="{206EFEAF-1218-4239-B8F8-9D00AAA8B4F6}" type="datetimeFigureOut">
               <a:rPr lang="en-US" smtClean="0"/>
-              <a:t>3/24/2015</a:t>
+              <a:t>3/26/2015</a:t>
             </a:fld>
             <a:endParaRPr lang="en-US"/>
           </a:p>
@@ -4097,7 +3589,7 @@
           <a:p>
             <a:fld id="{206EFEAF-1218-4239-B8F8-9D00AAA8B4F6}" type="datetimeFigureOut">
               <a:rPr lang="en-US" smtClean="0"/>
-              <a:t>3/24/2015</a:t>
+              <a:t>3/26/2015</a:t>
             </a:fld>
             <a:endParaRPr lang="en-US"/>
           </a:p>
@@ -4267,7 +3759,7 @@
           <a:p>
             <a:fld id="{206EFEAF-1218-4239-B8F8-9D00AAA8B4F6}" type="datetimeFigureOut">
               <a:rPr lang="en-US" smtClean="0"/>
-              <a:t>3/24/2015</a:t>
+              <a:t>3/26/2015</a:t>
             </a:fld>
             <a:endParaRPr lang="en-US"/>
           </a:p>
@@ -4514,7 +4006,7 @@
           <a:p>
             <a:fld id="{206EFEAF-1218-4239-B8F8-9D00AAA8B4F6}" type="datetimeFigureOut">
               <a:rPr lang="en-US" smtClean="0"/>
-              <a:t>3/24/2015</a:t>
+              <a:t>3/26/2015</a:t>
             </a:fld>
             <a:endParaRPr lang="en-US"/>
           </a:p>
@@ -4746,7 +4238,7 @@
           <a:p>
             <a:fld id="{206EFEAF-1218-4239-B8F8-9D00AAA8B4F6}" type="datetimeFigureOut">
               <a:rPr lang="en-US" smtClean="0"/>
-              <a:t>3/24/2015</a:t>
+              <a:t>3/26/2015</a:t>
             </a:fld>
             <a:endParaRPr lang="en-US"/>
           </a:p>
@@ -5120,7 +4612,7 @@
           <a:p>
             <a:fld id="{206EFEAF-1218-4239-B8F8-9D00AAA8B4F6}" type="datetimeFigureOut">
               <a:rPr lang="en-US" smtClean="0"/>
-              <a:t>3/24/2015</a:t>
+              <a:t>3/26/2015</a:t>
             </a:fld>
             <a:endParaRPr lang="en-US"/>
           </a:p>
@@ -5243,7 +4735,7 @@
           <a:p>
             <a:fld id="{206EFEAF-1218-4239-B8F8-9D00AAA8B4F6}" type="datetimeFigureOut">
               <a:rPr lang="en-US" smtClean="0"/>
-              <a:t>3/24/2015</a:t>
+              <a:t>3/26/2015</a:t>
             </a:fld>
             <a:endParaRPr lang="en-US"/>
           </a:p>
@@ -5338,7 +4830,7 @@
           <a:p>
             <a:fld id="{206EFEAF-1218-4239-B8F8-9D00AAA8B4F6}" type="datetimeFigureOut">
               <a:rPr lang="en-US" smtClean="0"/>
-              <a:t>3/24/2015</a:t>
+              <a:t>3/26/2015</a:t>
             </a:fld>
             <a:endParaRPr lang="en-US"/>
           </a:p>
@@ -5593,7 +5085,7 @@
           <a:p>
             <a:fld id="{206EFEAF-1218-4239-B8F8-9D00AAA8B4F6}" type="datetimeFigureOut">
               <a:rPr lang="en-US" smtClean="0"/>
-              <a:t>3/24/2015</a:t>
+              <a:t>3/26/2015</a:t>
             </a:fld>
             <a:endParaRPr lang="en-US"/>
           </a:p>
@@ -5898,7 +5390,7 @@
           <a:p>
             <a:fld id="{206EFEAF-1218-4239-B8F8-9D00AAA8B4F6}" type="datetimeFigureOut">
               <a:rPr lang="en-US" smtClean="0"/>
-              <a:t>3/24/2015</a:t>
+              <a:t>3/26/2015</a:t>
             </a:fld>
             <a:endParaRPr lang="en-US"/>
           </a:p>
@@ -6600,7 +6092,7 @@
           <a:p>
             <a:fld id="{206EFEAF-1218-4239-B8F8-9D00AAA8B4F6}" type="datetimeFigureOut">
               <a:rPr lang="en-US" smtClean="0"/>
-              <a:t>3/24/2015</a:t>
+              <a:t>3/26/2015</a:t>
             </a:fld>
             <a:endParaRPr lang="en-US"/>
           </a:p>
@@ -7141,7 +6633,7 @@
           <a:p>
             <a:r>
               <a:rPr lang="en-US" dirty="0" smtClean="0"/>
-              <a:t>Beam Search-  Algorithm</a:t>
+              <a:t>Beam Search - Algorithm</a:t>
             </a:r>
             <a:endParaRPr lang="en-US" dirty="0"/>
           </a:p>
@@ -7415,7 +6907,7 @@
           <a:p>
             <a:r>
               <a:rPr lang="en-US" dirty="0" smtClean="0"/>
-              <a:t>Weight</a:t>
+              <a:t>History/Uses</a:t>
             </a:r>
             <a:endParaRPr lang="en-US" dirty="0"/>
           </a:p>
@@ -7437,22 +6929,52 @@
           <a:lstStyle/>
           <a:p>
             <a:r>
+              <a:rPr lang="en-US" dirty="0"/>
+              <a:t>The term "beam search" was coined by </a:t>
+            </a:r>
+            <a:r>
+              <a:rPr lang="en-US" dirty="0">
+                <a:hlinkClick r:id="rId2" tooltip="Raj Reddy"/>
+              </a:rPr>
+              <a:t>Raj Reddy</a:t>
+            </a:r>
+            <a:r>
+              <a:rPr lang="en-US" dirty="0"/>
+              <a:t>, </a:t>
+            </a:r>
+            <a:r>
+              <a:rPr lang="en-US" dirty="0">
+                <a:hlinkClick r:id="rId3" tooltip="Carnegie Mellon University"/>
+              </a:rPr>
+              <a:t>Carnegie Mellon University</a:t>
+            </a:r>
+            <a:r>
+              <a:rPr lang="en-US" dirty="0"/>
+              <a:t>, 1976.</a:t>
+            </a:r>
+          </a:p>
+          <a:p>
+            <a:r>
+              <a:rPr lang="en-US" dirty="0"/>
+              <a:t>Used in systems with limited memory capacity to store entire search tree.</a:t>
+            </a:r>
+          </a:p>
+          <a:p>
+            <a:r>
+              <a:rPr lang="en-US" dirty="0"/>
+              <a:t>“Machine Translation</a:t>
+            </a:r>
+            <a:r>
               <a:rPr lang="en-US" dirty="0" smtClean="0"/>
-              <a:t>Each node has a weight value equal to the length of its string plus the sum of all leaf nodes' weight in its left subtree.</a:t>
-            </a:r>
-          </a:p>
-          <a:p>
-            <a:r>
-              <a:rPr lang="en-US" b="1" dirty="0" smtClean="0"/>
-              <a:t>YOU: Label each node with its weight</a:t>
-            </a:r>
-            <a:endParaRPr lang="en-US" b="1" dirty="0"/>
+              <a:t>”</a:t>
+            </a:r>
+            <a:endParaRPr lang="en-US" dirty="0"/>
           </a:p>
         </p:txBody>
       </p:sp>
       <p:pic>
         <p:nvPicPr>
-          <p:cNvPr id="6" name="Content Placeholder 5"/>
+          <p:cNvPr id="5" name="Content Placeholder 4"/>
           <p:cNvPicPr>
             <a:picLocks noGrp="1" noChangeAspect="1"/>
           </p:cNvPicPr>
@@ -7461,7 +6983,7 @@
           </p:nvPr>
         </p:nvPicPr>
         <p:blipFill>
-          <a:blip r:embed="rId3">
+          <a:blip r:embed="rId4">
             <a:extLst>
               <a:ext uri="{28A0092B-C50C-407E-A947-70E740481C1C}">
                 <a14:useLocalDpi xmlns:a14="http://schemas.microsoft.com/office/drawing/2010/main" val="0"/>
@@ -7474,28 +6996,21 @@
         </p:blipFill>
         <p:spPr>
           <a:xfrm>
-            <a:off x="5089525" y="2936431"/>
-            <a:ext cx="4184650" cy="2329751"/>
+            <a:off x="5089525" y="2354747"/>
+            <a:ext cx="4184650" cy="3493118"/>
           </a:xfrm>
         </p:spPr>
       </p:pic>
     </p:spTree>
     <p:extLst>
       <p:ext uri="{BB962C8B-B14F-4D97-AF65-F5344CB8AC3E}">
-        <p14:creationId xmlns:p14="http://schemas.microsoft.com/office/powerpoint/2010/main" val="4208513710"/>
+        <p14:creationId xmlns:p14="http://schemas.microsoft.com/office/powerpoint/2010/main" val="2236811751"/>
       </p:ext>
     </p:extLst>
   </p:cSld>
   <p:clrMapOvr>
     <a:masterClrMapping/>
   </p:clrMapOvr>
-  <p:timing>
-    <p:tnLst>
-      <p:par>
-        <p:cTn id="1" dur="indefinite" restart="never" nodeType="tmRoot"/>
-      </p:par>
-    </p:tnLst>
-  </p:timing>
 </p:sld>
 </file>
 
@@ -7531,11 +7046,7 @@
           <a:bodyPr/>
           <a:lstStyle/>
           <a:p>
-            <a:r>
-              <a:rPr lang="en-US" dirty="0" smtClean="0"/>
-              <a:t>Index – O(log n)</a:t>
-            </a:r>
-            <a:endParaRPr lang="en-US" dirty="0"/>
+            <a:endParaRPr lang="en-US"/>
           </a:p>
         </p:txBody>
       </p:sp>
@@ -7551,371 +7062,295 @@
         </p:nvSpPr>
         <p:spPr>
           <a:xfrm>
-            <a:off x="677336" y="2160589"/>
-            <a:ext cx="4184650" cy="3880772"/>
+            <a:off x="677334" y="2160589"/>
+            <a:ext cx="4187952" cy="3880772"/>
           </a:xfrm>
         </p:spPr>
         <p:txBody>
           <a:bodyPr>
-            <a:normAutofit fontScale="92500" lnSpcReduction="10000"/>
+            <a:normAutofit fontScale="70000" lnSpcReduction="20000"/>
           </a:bodyPr>
           <a:lstStyle/>
           <a:p>
+            <a:pPr marL="0" indent="0">
+              <a:buNone/>
+            </a:pPr>
+            <a:r>
+              <a:rPr lang="en-US" dirty="0" err="1"/>
+              <a:t>beamSearch</a:t>
+            </a:r>
+            <a:r>
+              <a:rPr lang="en-US" dirty="0"/>
+              <a:t>(</a:t>
+            </a:r>
+            <a:r>
+              <a:rPr lang="en-US" dirty="0" err="1"/>
+              <a:t>problemSet</a:t>
+            </a:r>
             <a:r>
               <a:rPr lang="en-US" dirty="0" smtClean="0"/>
-              <a:t>Here is code for index:</a:t>
-            </a:r>
-          </a:p>
-          <a:p>
-            <a:pPr marL="457200" lvl="1" indent="0">
+              <a:t>, </a:t>
+            </a:r>
+            <a:r>
+              <a:rPr lang="en-US" dirty="0" err="1" smtClean="0"/>
+              <a:t>memorySize</a:t>
+            </a:r>
+            <a:r>
+              <a:rPr lang="en-US" dirty="0" smtClean="0"/>
+              <a:t>):</a:t>
+            </a:r>
+          </a:p>
+          <a:p>
+            <a:pPr marL="0" indent="0">
               <a:buNone/>
             </a:pPr>
             <a:r>
-              <a:rPr lang="en-US" dirty="0" err="1" smtClean="0">
-                <a:solidFill>
-                  <a:schemeClr val="accent1">
-                    <a:lumMod val="75000"/>
-                  </a:schemeClr>
-                </a:solidFill>
-              </a:rPr>
-              <a:t>def</a:t>
-            </a:r>
-            <a:r>
-              <a:rPr lang="en-US" dirty="0" smtClean="0">
-                <a:solidFill>
-                  <a:schemeClr val="accent1">
-                    <a:lumMod val="75000"/>
-                  </a:schemeClr>
-                </a:solidFill>
-              </a:rPr>
-              <a:t> index(root, </a:t>
-            </a:r>
-            <a:r>
-              <a:rPr lang="en-US" dirty="0" err="1" smtClean="0">
-                <a:solidFill>
-                  <a:schemeClr val="accent1">
-                    <a:lumMod val="75000"/>
-                  </a:schemeClr>
-                </a:solidFill>
-              </a:rPr>
-              <a:t>i</a:t>
-            </a:r>
-            <a:r>
-              <a:rPr lang="en-US" dirty="0" smtClean="0">
-                <a:solidFill>
-                  <a:schemeClr val="accent1">
-                    <a:lumMod val="75000"/>
-                  </a:schemeClr>
-                </a:solidFill>
-              </a:rPr>
+              <a:rPr lang="en-US" dirty="0"/>
+              <a:t>	</a:t>
+            </a:r>
+            <a:r>
+              <a:rPr lang="en-US" dirty="0" err="1" smtClean="0"/>
+              <a:t>openList</a:t>
+            </a:r>
+            <a:r>
+              <a:rPr lang="en-US" dirty="0" smtClean="0"/>
+              <a:t> </a:t>
+            </a:r>
+            <a:r>
+              <a:rPr lang="en-US" dirty="0"/>
+              <a:t>= new memory of size </a:t>
+            </a:r>
+            <a:r>
+              <a:rPr lang="en-US" dirty="0" err="1" smtClean="0"/>
+              <a:t>memorySize</a:t>
+            </a:r>
+            <a:endParaRPr lang="en-US" dirty="0" smtClean="0"/>
+          </a:p>
+          <a:p>
+            <a:pPr marL="0" indent="0">
+              <a:buNone/>
+            </a:pPr>
+            <a:r>
+              <a:rPr lang="en-US" dirty="0"/>
+              <a:t>	</a:t>
+            </a:r>
+            <a:r>
+              <a:rPr lang="en-US" dirty="0" smtClean="0"/>
+              <a:t>tree = </a:t>
+            </a:r>
+            <a:r>
+              <a:rPr lang="en-US" dirty="0" err="1" smtClean="0"/>
+              <a:t>problemSet.tree</a:t>
+            </a:r>
+            <a:endParaRPr lang="en-US" dirty="0" smtClean="0"/>
+          </a:p>
+          <a:p>
+            <a:pPr marL="0" indent="0">
+              <a:buNone/>
+            </a:pPr>
+            <a:r>
+              <a:rPr lang="en-US" dirty="0"/>
+              <a:t>	</a:t>
+            </a:r>
+            <a:r>
+              <a:rPr lang="en-US" dirty="0" smtClean="0"/>
+              <a:t>node </a:t>
+            </a:r>
+            <a:r>
+              <a:rPr lang="en-US" dirty="0"/>
+              <a:t>= </a:t>
+            </a:r>
+            <a:r>
+              <a:rPr lang="en-US" dirty="0" err="1" smtClean="0"/>
+              <a:t>tree.root</a:t>
+            </a:r>
+            <a:endParaRPr lang="en-US" dirty="0" smtClean="0"/>
+          </a:p>
+          <a:p>
+            <a:pPr marL="0" indent="0">
+              <a:buNone/>
+            </a:pPr>
+            <a:r>
+              <a:rPr lang="en-US" dirty="0"/>
+              <a:t>	</a:t>
+            </a:r>
+            <a:r>
+              <a:rPr lang="en-US" dirty="0" smtClean="0"/>
+              <a:t>Add </a:t>
+            </a:r>
+            <a:r>
+              <a:rPr lang="en-US" dirty="0"/>
+              <a:t>node to </a:t>
+            </a:r>
+            <a:r>
+              <a:rPr lang="en-US" dirty="0" err="1" smtClean="0"/>
+              <a:t>openList</a:t>
+            </a:r>
+            <a:endParaRPr lang="en-US" dirty="0" smtClean="0"/>
+          </a:p>
+          <a:p>
+            <a:pPr marL="0" indent="0">
+              <a:buNone/>
+            </a:pPr>
+            <a:r>
+              <a:rPr lang="en-US" dirty="0"/>
+              <a:t>	</a:t>
+            </a:r>
+            <a:r>
+              <a:rPr lang="en-US" dirty="0" smtClean="0"/>
+              <a:t>while </a:t>
+            </a:r>
+            <a:r>
+              <a:rPr lang="en-US" dirty="0"/>
+              <a:t>(node is not a goal node</a:t>
+            </a:r>
+            <a:r>
+              <a:rPr lang="en-US" dirty="0" smtClean="0"/>
               <a:t>):</a:t>
             </a:r>
           </a:p>
           <a:p>
-            <a:pPr marL="457200" lvl="1" indent="0">
+            <a:pPr marL="0" indent="0">
               <a:buNone/>
             </a:pPr>
             <a:r>
-              <a:rPr lang="en-US" dirty="0" smtClean="0">
-                <a:solidFill>
-                  <a:schemeClr val="accent1">
-                    <a:lumMod val="75000"/>
-                  </a:schemeClr>
-                </a:solidFill>
-              </a:rPr>
-              <a:t>        if weight(root) &lt;= i:</a:t>
-            </a:r>
-          </a:p>
-          <a:p>
-            <a:pPr marL="457200" lvl="1" indent="0">
+              <a:rPr lang="en-US" dirty="0"/>
+              <a:t>	</a:t>
+            </a:r>
+            <a:r>
+              <a:rPr lang="en-US" dirty="0" smtClean="0"/>
+              <a:t>	Delete </a:t>
+            </a:r>
+            <a:r>
+              <a:rPr lang="en-US" dirty="0"/>
+              <a:t>node from </a:t>
+            </a:r>
+            <a:r>
+              <a:rPr lang="en-US" dirty="0" err="1" smtClean="0"/>
+              <a:t>openList</a:t>
+            </a:r>
+            <a:endParaRPr lang="en-US" dirty="0" smtClean="0"/>
+          </a:p>
+          <a:p>
+            <a:pPr marL="0" indent="0">
               <a:buNone/>
             </a:pPr>
             <a:r>
-              <a:rPr lang="en-US" dirty="0" smtClean="0">
-                <a:solidFill>
-                  <a:schemeClr val="accent1">
-                    <a:lumMod val="75000"/>
-                  </a:schemeClr>
-                </a:solidFill>
-              </a:rPr>
-              <a:t>            return index(</a:t>
-            </a:r>
-            <a:r>
-              <a:rPr lang="en-US" dirty="0" err="1" smtClean="0">
-                <a:solidFill>
-                  <a:schemeClr val="accent1">
-                    <a:lumMod val="75000"/>
-                  </a:schemeClr>
-                </a:solidFill>
-              </a:rPr>
-              <a:t>root.right</a:t>
-            </a:r>
-            <a:r>
-              <a:rPr lang="en-US" dirty="0" smtClean="0">
-                <a:solidFill>
-                  <a:schemeClr val="accent1">
-                    <a:lumMod val="75000"/>
-                  </a:schemeClr>
-                </a:solidFill>
-              </a:rPr>
-              <a:t>, </a:t>
-            </a:r>
-            <a:r>
-              <a:rPr lang="en-US" dirty="0">
-                <a:solidFill>
-                  <a:schemeClr val="accent1">
-                    <a:lumMod val="75000"/>
-                  </a:schemeClr>
-                </a:solidFill>
-              </a:rPr>
-              <a:t>i</a:t>
-            </a:r>
-            <a:r>
-              <a:rPr lang="en-US" dirty="0" smtClean="0">
-                <a:solidFill>
-                  <a:schemeClr val="accent1">
-                    <a:lumMod val="75000"/>
-                  </a:schemeClr>
-                </a:solidFill>
-              </a:rPr>
-              <a:t> - 			weight(root))</a:t>
-            </a:r>
-          </a:p>
-          <a:p>
-            <a:pPr marL="457200" lvl="1" indent="0">
+              <a:rPr lang="en-US" dirty="0"/>
+              <a:t>	</a:t>
+            </a:r>
+            <a:r>
+              <a:rPr lang="en-US" dirty="0" smtClean="0"/>
+              <a:t>	Expand </a:t>
+            </a:r>
+            <a:r>
+              <a:rPr lang="en-US" dirty="0"/>
+              <a:t>node and obtain its children, </a:t>
+            </a:r>
+            <a:r>
+              <a:rPr lang="en-US" dirty="0" smtClean="0"/>
+              <a:t>evaluate those children</a:t>
+            </a:r>
+            <a:endParaRPr lang="en-US" dirty="0"/>
+          </a:p>
+          <a:p>
+            <a:pPr marL="0" indent="0">
               <a:buNone/>
             </a:pPr>
             <a:r>
-              <a:rPr lang="en-US" dirty="0" smtClean="0">
-                <a:solidFill>
-                  <a:schemeClr val="accent1">
-                    <a:lumMod val="75000"/>
-                  </a:schemeClr>
-                </a:solidFill>
-              </a:rPr>
-              <a:t>        else:</a:t>
-            </a:r>
-          </a:p>
-          <a:p>
-            <a:pPr marL="457200" lvl="1" indent="0">
+              <a:rPr lang="en-US" dirty="0" smtClean="0"/>
+              <a:t>		Place </a:t>
+            </a:r>
+            <a:r>
+              <a:rPr lang="en-US" dirty="0"/>
+              <a:t>remaining, non-pruned children into </a:t>
+            </a:r>
+            <a:r>
+              <a:rPr lang="en-US" dirty="0" err="1" smtClean="0"/>
+              <a:t>openList</a:t>
+            </a:r>
+            <a:endParaRPr lang="en-US" dirty="0" smtClean="0"/>
+          </a:p>
+          <a:p>
+            <a:pPr marL="0" indent="0">
               <a:buNone/>
             </a:pPr>
             <a:r>
-              <a:rPr lang="en-US" dirty="0" smtClean="0">
-                <a:solidFill>
-                  <a:schemeClr val="accent1">
-                    <a:lumMod val="75000"/>
-                  </a:schemeClr>
-                </a:solidFill>
-              </a:rPr>
-              <a:t>            if </a:t>
-            </a:r>
-            <a:r>
-              <a:rPr lang="en-US" dirty="0" err="1" smtClean="0">
-                <a:solidFill>
-                  <a:schemeClr val="accent1">
-                    <a:lumMod val="75000"/>
-                  </a:schemeClr>
-                </a:solidFill>
-              </a:rPr>
-              <a:t>root.left</a:t>
-            </a:r>
-            <a:r>
-              <a:rPr lang="en-US" dirty="0" smtClean="0">
-                <a:solidFill>
-                  <a:schemeClr val="accent1">
-                    <a:lumMod val="75000"/>
-                  </a:schemeClr>
-                </a:solidFill>
-              </a:rPr>
-              <a:t> != None:</a:t>
-            </a:r>
-          </a:p>
-          <a:p>
-            <a:pPr marL="457200" lvl="1" indent="0">
+              <a:rPr lang="en-US" dirty="0"/>
+              <a:t>	</a:t>
+            </a:r>
+            <a:r>
+              <a:rPr lang="en-US" dirty="0" smtClean="0"/>
+              <a:t>	If </a:t>
+            </a:r>
+            <a:r>
+              <a:rPr lang="en-US" dirty="0"/>
+              <a:t>memory is full and has no room for new nodes, </a:t>
+            </a:r>
+            <a:r>
+              <a:rPr lang="en-US" dirty="0" smtClean="0"/>
+              <a:t>remove </a:t>
+            </a:r>
+            <a:r>
+              <a:rPr lang="en-US" dirty="0"/>
+              <a:t>the </a:t>
+            </a:r>
+            <a:r>
+              <a:rPr lang="en-US" dirty="0" smtClean="0"/>
+              <a:t>worst</a:t>
+            </a:r>
+          </a:p>
+          <a:p>
+            <a:pPr marL="0" indent="0">
               <a:buNone/>
             </a:pPr>
             <a:r>
-              <a:rPr lang="en-US" dirty="0" smtClean="0">
-                <a:solidFill>
-                  <a:schemeClr val="accent1">
-                    <a:lumMod val="75000"/>
-                  </a:schemeClr>
-                </a:solidFill>
-              </a:rPr>
-              <a:t>                return index(</a:t>
-            </a:r>
-            <a:r>
-              <a:rPr lang="en-US" dirty="0" err="1" smtClean="0">
-                <a:solidFill>
-                  <a:schemeClr val="accent1">
-                    <a:lumMod val="75000"/>
-                  </a:schemeClr>
-                </a:solidFill>
-              </a:rPr>
-              <a:t>root.left</a:t>
-            </a:r>
-            <a:r>
-              <a:rPr lang="en-US" dirty="0" smtClean="0">
-                <a:solidFill>
-                  <a:schemeClr val="accent1">
-                    <a:lumMod val="75000"/>
-                  </a:schemeClr>
-                </a:solidFill>
-              </a:rPr>
-              <a:t>, </a:t>
-            </a:r>
-            <a:r>
-              <a:rPr lang="en-US" dirty="0" err="1" smtClean="0">
-                <a:solidFill>
-                  <a:schemeClr val="accent1">
-                    <a:lumMod val="75000"/>
-                  </a:schemeClr>
-                </a:solidFill>
-              </a:rPr>
-              <a:t>i</a:t>
-            </a:r>
-            <a:r>
-              <a:rPr lang="en-US" dirty="0" smtClean="0">
-                <a:solidFill>
-                  <a:schemeClr val="accent1">
-                    <a:lumMod val="75000"/>
-                  </a:schemeClr>
-                </a:solidFill>
-              </a:rPr>
-              <a:t>)</a:t>
-            </a:r>
-          </a:p>
-          <a:p>
-            <a:pPr marL="457200" lvl="1" indent="0">
-              <a:buNone/>
-            </a:pPr>
-            <a:r>
-              <a:rPr lang="en-US" dirty="0" smtClean="0">
-                <a:solidFill>
-                  <a:schemeClr val="accent1">
-                    <a:lumMod val="75000"/>
-                  </a:schemeClr>
-                </a:solidFill>
-              </a:rPr>
-              <a:t>            else:</a:t>
-            </a:r>
-          </a:p>
-          <a:p>
-            <a:pPr marL="457200" lvl="1" indent="0">
-              <a:buNone/>
-            </a:pPr>
-            <a:r>
-              <a:rPr lang="en-US" dirty="0" smtClean="0">
-                <a:solidFill>
-                  <a:schemeClr val="accent1">
-                    <a:lumMod val="75000"/>
-                  </a:schemeClr>
-                </a:solidFill>
-              </a:rPr>
-              <a:t>                return </a:t>
-            </a:r>
-            <a:r>
-              <a:rPr lang="en-US" dirty="0" err="1" smtClean="0">
-                <a:solidFill>
-                  <a:schemeClr val="accent1">
-                    <a:lumMod val="75000"/>
-                  </a:schemeClr>
-                </a:solidFill>
-              </a:rPr>
-              <a:t>root.data</a:t>
-            </a:r>
-            <a:r>
-              <a:rPr lang="en-US" dirty="0" smtClean="0">
-                <a:solidFill>
-                  <a:schemeClr val="accent1">
-                    <a:lumMod val="75000"/>
-                  </a:schemeClr>
-                </a:solidFill>
-              </a:rPr>
-              <a:t>[</a:t>
-            </a:r>
-            <a:r>
-              <a:rPr lang="en-US" dirty="0" err="1" smtClean="0">
-                <a:solidFill>
-                  <a:schemeClr val="accent1">
-                    <a:lumMod val="75000"/>
-                  </a:schemeClr>
-                </a:solidFill>
-              </a:rPr>
-              <a:t>i</a:t>
-            </a:r>
-            <a:r>
-              <a:rPr lang="en-US" dirty="0" smtClean="0">
-                <a:solidFill>
-                  <a:schemeClr val="accent1">
-                    <a:lumMod val="75000"/>
-                  </a:schemeClr>
-                </a:solidFill>
-              </a:rPr>
-              <a:t>]</a:t>
-            </a:r>
-          </a:p>
-          <a:p>
-            <a:r>
-              <a:rPr lang="en-US" b="1" dirty="0" smtClean="0"/>
-              <a:t>YOU: Trace the rope to find index(root, 12)</a:t>
-            </a:r>
-          </a:p>
-          <a:p>
-            <a:pPr marL="0" indent="0">
-              <a:buNone/>
-            </a:pPr>
+              <a:rPr lang="en-US" dirty="0" smtClean="0"/>
+              <a:t>		node </a:t>
+            </a:r>
+            <a:r>
+              <a:rPr lang="en-US" dirty="0"/>
+              <a:t>= the least costly node in </a:t>
+            </a:r>
+            <a:r>
+              <a:rPr lang="en-US" dirty="0" err="1" smtClean="0"/>
+              <a:t>openList</a:t>
+            </a:r>
             <a:endParaRPr lang="en-US" dirty="0"/>
           </a:p>
         </p:txBody>
       </p:sp>
-      <p:pic>
-        <p:nvPicPr>
-          <p:cNvPr id="8" name="Content Placeholder 7"/>
-          <p:cNvPicPr>
-            <a:picLocks noGrp="1" noChangeAspect="1"/>
-          </p:cNvPicPr>
+      <p:sp>
+        <p:nvSpPr>
+          <p:cNvPr id="4" name="Content Placeholder 3"/>
+          <p:cNvSpPr>
+            <a:spLocks noGrp="1"/>
+          </p:cNvSpPr>
           <p:nvPr>
             <p:ph sz="half" idx="2"/>
           </p:nvPr>
-        </p:nvPicPr>
-        <p:blipFill>
-          <a:blip r:embed="rId3">
-            <a:extLst>
-              <a:ext uri="{28A0092B-C50C-407E-A947-70E740481C1C}">
-                <a14:useLocalDpi xmlns:a14="http://schemas.microsoft.com/office/drawing/2010/main" val="0"/>
-              </a:ext>
-            </a:extLst>
-          </a:blip>
-          <a:stretch>
-            <a:fillRect/>
-          </a:stretch>
-        </p:blipFill>
-        <p:spPr>
-          <a:xfrm>
-            <a:off x="5089525" y="3027793"/>
-            <a:ext cx="4184650" cy="2147026"/>
-          </a:xfrm>
-        </p:spPr>
-      </p:pic>
+        </p:nvSpPr>
+        <p:spPr/>
+        <p:txBody>
+          <a:bodyPr>
+            <a:normAutofit fontScale="70000" lnSpcReduction="20000"/>
+          </a:bodyPr>
+          <a:lstStyle/>
+          <a:p>
+            <a:endParaRPr lang="en-US"/>
+          </a:p>
+        </p:txBody>
+      </p:sp>
     </p:spTree>
     <p:extLst>
       <p:ext uri="{BB962C8B-B14F-4D97-AF65-F5344CB8AC3E}">
-        <p14:creationId xmlns:p14="http://schemas.microsoft.com/office/powerpoint/2010/main" val="1082890672"/>
+        <p14:creationId xmlns:p14="http://schemas.microsoft.com/office/powerpoint/2010/main" val="53845209"/>
       </p:ext>
     </p:extLst>
   </p:cSld>
   <p:clrMapOvr>
     <a:masterClrMapping/>
   </p:clrMapOvr>
-  <p:timing>
-    <p:tnLst>
-      <p:par>
-        <p:cTn id="1" dur="indefinite" restart="never" nodeType="tmRoot"/>
-      </p:par>
-    </p:tnLst>
-  </p:timing>
 </p:sld>
 </file>
 
@@ -7953,728 +7388,6 @@
           <a:p>
             <a:r>
               <a:rPr lang="en-US" dirty="0" smtClean="0"/>
-              <a:t>Concatenate – O(log n)</a:t>
-            </a:r>
-            <a:endParaRPr lang="en-US" dirty="0"/>
-          </a:p>
-        </p:txBody>
-      </p:sp>
-      <p:sp>
-        <p:nvSpPr>
-          <p:cNvPr id="3" name="Content Placeholder 2"/>
-          <p:cNvSpPr>
-            <a:spLocks noGrp="1"/>
-          </p:cNvSpPr>
-          <p:nvPr>
-            <p:ph sz="half" idx="1"/>
-          </p:nvPr>
-        </p:nvSpPr>
-        <p:spPr/>
-        <p:txBody>
-          <a:bodyPr/>
-          <a:lstStyle/>
-          <a:p>
-            <a:r>
-              <a:rPr lang="en-US" b="0" i="0" dirty="0" err="1" smtClean="0">
-                <a:solidFill>
-                  <a:srgbClr val="252525"/>
-                </a:solidFill>
-                <a:effectLst/>
-              </a:rPr>
-              <a:t>Concat</a:t>
-            </a:r>
-            <a:r>
-              <a:rPr lang="en-US" b="0" i="0" dirty="0" smtClean="0">
-                <a:solidFill>
-                  <a:srgbClr val="252525"/>
-                </a:solidFill>
-                <a:effectLst/>
-              </a:rPr>
-              <a:t>(S1, S2): concatenate two ropes, S1 and S2, into a single rope.</a:t>
-            </a:r>
-          </a:p>
-          <a:p>
-            <a:r>
-              <a:rPr lang="en-US" b="0" i="0" dirty="0" smtClean="0">
-                <a:solidFill>
-                  <a:srgbClr val="252525"/>
-                </a:solidFill>
-                <a:effectLst/>
-              </a:rPr>
-              <a:t>A concatenation can be performed simply by creating a new root node with </a:t>
-            </a:r>
-            <a:r>
-              <a:rPr lang="en-US" b="0" i="1" dirty="0" smtClean="0">
-                <a:solidFill>
-                  <a:srgbClr val="252525"/>
-                </a:solidFill>
-                <a:effectLst/>
-              </a:rPr>
-              <a:t>left = S</a:t>
-            </a:r>
-            <a:r>
-              <a:rPr lang="en-US" b="0" i="1" baseline="-25000" dirty="0" smtClean="0">
-                <a:solidFill>
-                  <a:srgbClr val="252525"/>
-                </a:solidFill>
-                <a:effectLst/>
-              </a:rPr>
-              <a:t>1</a:t>
-            </a:r>
-            <a:r>
-              <a:rPr lang="en-US" b="0" i="0" dirty="0" smtClean="0">
-                <a:solidFill>
-                  <a:srgbClr val="252525"/>
-                </a:solidFill>
-                <a:effectLst/>
-              </a:rPr>
-              <a:t> and </a:t>
-            </a:r>
-            <a:r>
-              <a:rPr lang="en-US" b="0" i="1" dirty="0" smtClean="0">
-                <a:solidFill>
-                  <a:srgbClr val="252525"/>
-                </a:solidFill>
-                <a:effectLst/>
-              </a:rPr>
-              <a:t>right = S</a:t>
-            </a:r>
-            <a:r>
-              <a:rPr lang="en-US" b="0" i="1" baseline="-25000" dirty="0" smtClean="0">
-                <a:solidFill>
-                  <a:srgbClr val="252525"/>
-                </a:solidFill>
-                <a:effectLst/>
-              </a:rPr>
-              <a:t>2</a:t>
-            </a:r>
-            <a:endParaRPr lang="en-US" b="0" i="0" dirty="0" smtClean="0">
-              <a:solidFill>
-                <a:srgbClr val="252525"/>
-              </a:solidFill>
-              <a:effectLst/>
-            </a:endParaRPr>
-          </a:p>
-          <a:p>
-            <a:r>
-              <a:rPr lang="en-US" b="1" dirty="0" smtClean="0">
-                <a:solidFill>
-                  <a:srgbClr val="252525"/>
-                </a:solidFill>
-              </a:rPr>
-              <a:t>YOU: </a:t>
-            </a:r>
-            <a:r>
-              <a:rPr lang="en-US" b="1" dirty="0" err="1" smtClean="0">
-                <a:solidFill>
-                  <a:srgbClr val="252525"/>
-                </a:solidFill>
-              </a:rPr>
-              <a:t>Concat</a:t>
-            </a:r>
-            <a:r>
-              <a:rPr lang="en-US" b="1" dirty="0" smtClean="0">
-                <a:solidFill>
-                  <a:srgbClr val="252525"/>
-                </a:solidFill>
-              </a:rPr>
-              <a:t> these two separate ropes into a single rope.</a:t>
-            </a:r>
-            <a:endParaRPr lang="en-US" b="1" dirty="0"/>
-          </a:p>
-        </p:txBody>
-      </p:sp>
-      <p:pic>
-        <p:nvPicPr>
-          <p:cNvPr id="6" name="Content Placeholder 5"/>
-          <p:cNvPicPr>
-            <a:picLocks noGrp="1" noChangeAspect="1"/>
-          </p:cNvPicPr>
-          <p:nvPr>
-            <p:ph sz="half" idx="2"/>
-          </p:nvPr>
-        </p:nvPicPr>
-        <p:blipFill>
-          <a:blip r:embed="rId3">
-            <a:extLst>
-              <a:ext uri="{28A0092B-C50C-407E-A947-70E740481C1C}">
-                <a14:useLocalDpi xmlns:a14="http://schemas.microsoft.com/office/drawing/2010/main" val="0"/>
-              </a:ext>
-            </a:extLst>
-          </a:blip>
-          <a:stretch>
-            <a:fillRect/>
-          </a:stretch>
-        </p:blipFill>
-        <p:spPr>
-          <a:xfrm>
-            <a:off x="5089525" y="3501118"/>
-            <a:ext cx="4184650" cy="1200377"/>
-          </a:xfrm>
-        </p:spPr>
-      </p:pic>
-    </p:spTree>
-    <p:extLst>
-      <p:ext uri="{BB962C8B-B14F-4D97-AF65-F5344CB8AC3E}">
-        <p14:creationId xmlns:p14="http://schemas.microsoft.com/office/powerpoint/2010/main" val="38282887"/>
-      </p:ext>
-    </p:extLst>
-  </p:cSld>
-  <p:clrMapOvr>
-    <a:masterClrMapping/>
-  </p:clrMapOvr>
-</p:sld>
-</file>
-
-<file path=ppt/slides/slide6.xml><?xml version="1.0" encoding="utf-8"?>
-<p:sld xmlns:a="http://schemas.openxmlformats.org/drawingml/2006/main" xmlns:r="http://schemas.openxmlformats.org/officeDocument/2006/relationships" xmlns:p="http://schemas.openxmlformats.org/presentationml/2006/main">
-  <p:cSld>
-    <p:spTree>
-      <p:nvGrpSpPr>
-        <p:cNvPr id="1" name=""/>
-        <p:cNvGrpSpPr/>
-        <p:nvPr/>
-      </p:nvGrpSpPr>
-      <p:grpSpPr>
-        <a:xfrm>
-          <a:off x="0" y="0"/>
-          <a:ext cx="0" cy="0"/>
-          <a:chOff x="0" y="0"/>
-          <a:chExt cx="0" cy="0"/>
-        </a:xfrm>
-      </p:grpSpPr>
-      <p:sp>
-        <p:nvSpPr>
-          <p:cNvPr id="2" name="Title 1"/>
-          <p:cNvSpPr>
-            <a:spLocks noGrp="1"/>
-          </p:cNvSpPr>
-          <p:nvPr>
-            <p:ph type="title"/>
-          </p:nvPr>
-        </p:nvSpPr>
-        <p:spPr/>
-        <p:txBody>
-          <a:bodyPr/>
-          <a:lstStyle/>
-          <a:p>
-            <a:r>
-              <a:rPr lang="en-US" dirty="0" smtClean="0"/>
-              <a:t>Split – O(log n)</a:t>
-            </a:r>
-            <a:endParaRPr lang="en-US" dirty="0"/>
-          </a:p>
-        </p:txBody>
-      </p:sp>
-      <p:sp>
-        <p:nvSpPr>
-          <p:cNvPr id="3" name="Content Placeholder 2"/>
-          <p:cNvSpPr>
-            <a:spLocks noGrp="1"/>
-          </p:cNvSpPr>
-          <p:nvPr>
-            <p:ph sz="half" idx="1"/>
-          </p:nvPr>
-        </p:nvSpPr>
-        <p:spPr/>
-        <p:txBody>
-          <a:bodyPr>
-            <a:normAutofit fontScale="92500" lnSpcReduction="10000"/>
-          </a:bodyPr>
-          <a:lstStyle/>
-          <a:p>
-            <a:r>
-              <a:rPr lang="en-US" dirty="0" smtClean="0"/>
-              <a:t>Split (</a:t>
-            </a:r>
-            <a:r>
-              <a:rPr lang="en-US" dirty="0" err="1" smtClean="0"/>
-              <a:t>i</a:t>
-            </a:r>
-            <a:r>
-              <a:rPr lang="en-US" dirty="0" smtClean="0"/>
-              <a:t>): split the rope into two new strings S1 and S2</a:t>
-            </a:r>
-          </a:p>
-          <a:p>
-            <a:r>
-              <a:rPr lang="en-US" b="0" i="0" dirty="0" smtClean="0">
-                <a:solidFill>
-                  <a:srgbClr val="252525"/>
-                </a:solidFill>
-                <a:effectLst/>
-                <a:latin typeface="Arial" panose="020B0604020202020204" pitchFamily="34" charset="0"/>
-              </a:rPr>
-              <a:t>There are two cases that must be dealt with:</a:t>
-            </a:r>
-          </a:p>
-          <a:p>
-            <a:pPr lvl="1">
-              <a:buFont typeface="+mj-lt"/>
-              <a:buAutoNum type="arabicPeriod"/>
-            </a:pPr>
-            <a:r>
-              <a:rPr lang="en-US" b="0" i="0" dirty="0" smtClean="0">
-                <a:solidFill>
-                  <a:srgbClr val="252525"/>
-                </a:solidFill>
-                <a:effectLst/>
-                <a:latin typeface="Arial" panose="020B0604020202020204" pitchFamily="34" charset="0"/>
-              </a:rPr>
-              <a:t>The split point is at the end of a string (i.e. after the last character of a leaf node)</a:t>
-            </a:r>
-          </a:p>
-          <a:p>
-            <a:pPr lvl="1">
-              <a:buFont typeface="+mj-lt"/>
-              <a:buAutoNum type="arabicPeriod"/>
-            </a:pPr>
-            <a:r>
-              <a:rPr lang="en-US" b="0" i="0" dirty="0" smtClean="0">
-                <a:solidFill>
-                  <a:srgbClr val="252525"/>
-                </a:solidFill>
-                <a:effectLst/>
-                <a:latin typeface="Arial" panose="020B0604020202020204" pitchFamily="34" charset="0"/>
-              </a:rPr>
-              <a:t>The split point is in the middle of a string.</a:t>
-            </a:r>
-          </a:p>
-          <a:p>
-            <a:r>
-              <a:rPr lang="en-US" b="1" dirty="0" smtClean="0"/>
-              <a:t>YOU: Perform split(15)</a:t>
-            </a:r>
-          </a:p>
-          <a:p>
-            <a:pPr lvl="1"/>
-            <a:r>
-              <a:rPr lang="en-US" dirty="0" smtClean="0"/>
-              <a:t>Redraw the rope to compensate for the case 2.</a:t>
-            </a:r>
-          </a:p>
-          <a:p>
-            <a:pPr lvl="1"/>
-            <a:r>
-              <a:rPr lang="en-US" dirty="0" smtClean="0"/>
-              <a:t>Then, draw a line through the rope, across the branches to be removed.</a:t>
-            </a:r>
-            <a:endParaRPr lang="en-US" dirty="0"/>
-          </a:p>
-        </p:txBody>
-      </p:sp>
-      <p:pic>
-        <p:nvPicPr>
-          <p:cNvPr id="5" name="Content Placeholder 4"/>
-          <p:cNvPicPr>
-            <a:picLocks noGrp="1" noChangeAspect="1"/>
-          </p:cNvPicPr>
-          <p:nvPr>
-            <p:ph sz="half" idx="2"/>
-          </p:nvPr>
-        </p:nvPicPr>
-        <p:blipFill>
-          <a:blip r:embed="rId3">
-            <a:extLst>
-              <a:ext uri="{28A0092B-C50C-407E-A947-70E740481C1C}">
-                <a14:useLocalDpi xmlns:a14="http://schemas.microsoft.com/office/drawing/2010/main" val="0"/>
-              </a:ext>
-            </a:extLst>
-          </a:blip>
-          <a:stretch>
-            <a:fillRect/>
-          </a:stretch>
-        </p:blipFill>
-        <p:spPr>
-          <a:xfrm>
-            <a:off x="5089525" y="3077958"/>
-            <a:ext cx="4184650" cy="2046697"/>
-          </a:xfrm>
-        </p:spPr>
-      </p:pic>
-    </p:spTree>
-    <p:extLst>
-      <p:ext uri="{BB962C8B-B14F-4D97-AF65-F5344CB8AC3E}">
-        <p14:creationId xmlns:p14="http://schemas.microsoft.com/office/powerpoint/2010/main" val="4116067500"/>
-      </p:ext>
-    </p:extLst>
-  </p:cSld>
-  <p:clrMapOvr>
-    <a:masterClrMapping/>
-  </p:clrMapOvr>
-  <p:timing>
-    <p:tnLst>
-      <p:par>
-        <p:cTn id="1" dur="indefinite" restart="never" nodeType="tmRoot"/>
-      </p:par>
-    </p:tnLst>
-  </p:timing>
-</p:sld>
-</file>
-
-<file path=ppt/slides/slide7.xml><?xml version="1.0" encoding="utf-8"?>
-<p:sld xmlns:a="http://schemas.openxmlformats.org/drawingml/2006/main" xmlns:r="http://schemas.openxmlformats.org/officeDocument/2006/relationships" xmlns:p="http://schemas.openxmlformats.org/presentationml/2006/main">
-  <p:cSld>
-    <p:spTree>
-      <p:nvGrpSpPr>
-        <p:cNvPr id="1" name=""/>
-        <p:cNvGrpSpPr/>
-        <p:nvPr/>
-      </p:nvGrpSpPr>
-      <p:grpSpPr>
-        <a:xfrm>
-          <a:off x="0" y="0"/>
-          <a:ext cx="0" cy="0"/>
-          <a:chOff x="0" y="0"/>
-          <a:chExt cx="0" cy="0"/>
-        </a:xfrm>
-      </p:grpSpPr>
-      <p:sp>
-        <p:nvSpPr>
-          <p:cNvPr id="2" name="Title 1"/>
-          <p:cNvSpPr>
-            <a:spLocks noGrp="1"/>
-          </p:cNvSpPr>
-          <p:nvPr>
-            <p:ph type="title"/>
-          </p:nvPr>
-        </p:nvSpPr>
-        <p:spPr/>
-        <p:txBody>
-          <a:bodyPr/>
-          <a:lstStyle/>
-          <a:p>
-            <a:r>
-              <a:rPr lang="en-US" dirty="0" smtClean="0"/>
-              <a:t>Insert – O(log n) </a:t>
-            </a:r>
-            <a:endParaRPr lang="en-US" dirty="0"/>
-          </a:p>
-        </p:txBody>
-      </p:sp>
-      <p:sp>
-        <p:nvSpPr>
-          <p:cNvPr id="3" name="Content Placeholder 2"/>
-          <p:cNvSpPr>
-            <a:spLocks noGrp="1"/>
-          </p:cNvSpPr>
-          <p:nvPr>
-            <p:ph sz="half" idx="1"/>
-          </p:nvPr>
-        </p:nvSpPr>
-        <p:spPr/>
-        <p:txBody>
-          <a:bodyPr/>
-          <a:lstStyle/>
-          <a:p>
-            <a:r>
-              <a:rPr lang="en-US" dirty="0" smtClean="0"/>
-              <a:t>Insert(</a:t>
-            </a:r>
-            <a:r>
-              <a:rPr lang="en-US" dirty="0" err="1" smtClean="0"/>
-              <a:t>i</a:t>
-            </a:r>
-            <a:r>
-              <a:rPr lang="en-US" dirty="0" smtClean="0"/>
-              <a:t>, S): </a:t>
-            </a:r>
-            <a:r>
-              <a:rPr lang="en-US" dirty="0" err="1" smtClean="0"/>
-              <a:t>instert</a:t>
-            </a:r>
-            <a:r>
-              <a:rPr lang="en-US" dirty="0" smtClean="0"/>
-              <a:t> string S at position </a:t>
-            </a:r>
-            <a:r>
-              <a:rPr lang="en-US" dirty="0" err="1" smtClean="0"/>
-              <a:t>i</a:t>
-            </a:r>
-            <a:r>
-              <a:rPr lang="en-US" dirty="0" smtClean="0"/>
-              <a:t>.</a:t>
-            </a:r>
-          </a:p>
-          <a:p>
-            <a:r>
-              <a:rPr lang="en-US" dirty="0" smtClean="0"/>
-              <a:t>Operation can be completed by:</a:t>
-            </a:r>
-          </a:p>
-          <a:p>
-            <a:pPr lvl="1"/>
-            <a:r>
-              <a:rPr lang="en-US" dirty="0" smtClean="0"/>
-              <a:t>Split()</a:t>
-            </a:r>
-          </a:p>
-          <a:p>
-            <a:pPr lvl="1"/>
-            <a:r>
-              <a:rPr lang="en-US" dirty="0" err="1" smtClean="0"/>
-              <a:t>Concat</a:t>
-            </a:r>
-            <a:r>
-              <a:rPr lang="en-US" dirty="0" smtClean="0"/>
-              <a:t>()</a:t>
-            </a:r>
-          </a:p>
-          <a:p>
-            <a:pPr lvl="1"/>
-            <a:r>
-              <a:rPr lang="en-US" dirty="0" err="1" smtClean="0"/>
-              <a:t>Concat</a:t>
-            </a:r>
-            <a:r>
-              <a:rPr lang="en-US" dirty="0" smtClean="0"/>
-              <a:t>()</a:t>
-            </a:r>
-          </a:p>
-          <a:p>
-            <a:r>
-              <a:rPr lang="en-US" b="1" dirty="0" smtClean="0"/>
-              <a:t>YOU: Insert(9, “,_jump,”)</a:t>
-            </a:r>
-            <a:endParaRPr lang="en-US" b="1" dirty="0"/>
-          </a:p>
-        </p:txBody>
-      </p:sp>
-      <p:pic>
-        <p:nvPicPr>
-          <p:cNvPr id="6" name="Content Placeholder 5"/>
-          <p:cNvPicPr>
-            <a:picLocks noGrp="1" noChangeAspect="1"/>
-          </p:cNvPicPr>
-          <p:nvPr>
-            <p:ph sz="half" idx="2"/>
-          </p:nvPr>
-        </p:nvPicPr>
-        <p:blipFill>
-          <a:blip r:embed="rId3">
-            <a:extLst>
-              <a:ext uri="{28A0092B-C50C-407E-A947-70E740481C1C}">
-                <a14:useLocalDpi xmlns:a14="http://schemas.microsoft.com/office/drawing/2010/main" val="0"/>
-              </a:ext>
-            </a:extLst>
-          </a:blip>
-          <a:stretch>
-            <a:fillRect/>
-          </a:stretch>
-        </p:blipFill>
-        <p:spPr>
-          <a:xfrm>
-            <a:off x="5089525" y="2754287"/>
-            <a:ext cx="4184650" cy="2694039"/>
-          </a:xfrm>
-        </p:spPr>
-      </p:pic>
-    </p:spTree>
-    <p:extLst>
-      <p:ext uri="{BB962C8B-B14F-4D97-AF65-F5344CB8AC3E}">
-        <p14:creationId xmlns:p14="http://schemas.microsoft.com/office/powerpoint/2010/main" val="2865761912"/>
-      </p:ext>
-    </p:extLst>
-  </p:cSld>
-  <p:clrMapOvr>
-    <a:masterClrMapping/>
-  </p:clrMapOvr>
-</p:sld>
-</file>
-
-<file path=ppt/slides/slide8.xml><?xml version="1.0" encoding="utf-8"?>
-<p:sld xmlns:a="http://schemas.openxmlformats.org/drawingml/2006/main" xmlns:r="http://schemas.openxmlformats.org/officeDocument/2006/relationships" xmlns:p="http://schemas.openxmlformats.org/presentationml/2006/main">
-  <p:cSld>
-    <p:spTree>
-      <p:nvGrpSpPr>
-        <p:cNvPr id="1" name=""/>
-        <p:cNvGrpSpPr/>
-        <p:nvPr/>
-      </p:nvGrpSpPr>
-      <p:grpSpPr>
-        <a:xfrm>
-          <a:off x="0" y="0"/>
-          <a:ext cx="0" cy="0"/>
-          <a:chOff x="0" y="0"/>
-          <a:chExt cx="0" cy="0"/>
-        </a:xfrm>
-      </p:grpSpPr>
-      <p:sp>
-        <p:nvSpPr>
-          <p:cNvPr id="2" name="Title 1"/>
-          <p:cNvSpPr>
-            <a:spLocks noGrp="1"/>
-          </p:cNvSpPr>
-          <p:nvPr>
-            <p:ph type="title"/>
-          </p:nvPr>
-        </p:nvSpPr>
-        <p:spPr/>
-        <p:txBody>
-          <a:bodyPr/>
-          <a:lstStyle/>
-          <a:p>
-            <a:r>
-              <a:rPr lang="en-US" dirty="0" smtClean="0"/>
-              <a:t>Delete – O(log n)</a:t>
-            </a:r>
-            <a:endParaRPr lang="en-US" dirty="0"/>
-          </a:p>
-        </p:txBody>
-      </p:sp>
-      <p:sp>
-        <p:nvSpPr>
-          <p:cNvPr id="3" name="Content Placeholder 2"/>
-          <p:cNvSpPr>
-            <a:spLocks noGrp="1"/>
-          </p:cNvSpPr>
-          <p:nvPr>
-            <p:ph sz="half" idx="1"/>
-          </p:nvPr>
-        </p:nvSpPr>
-        <p:spPr/>
-        <p:txBody>
-          <a:bodyPr/>
-          <a:lstStyle/>
-          <a:p>
-            <a:r>
-              <a:rPr lang="en-US" dirty="0" smtClean="0"/>
-              <a:t>Delete(</a:t>
-            </a:r>
-            <a:r>
-              <a:rPr lang="en-US" dirty="0" err="1" smtClean="0"/>
-              <a:t>i</a:t>
-            </a:r>
-            <a:r>
-              <a:rPr lang="en-US" dirty="0" smtClean="0"/>
-              <a:t>, j): delete the substring at indices </a:t>
-            </a:r>
-            <a:r>
-              <a:rPr lang="en-US" dirty="0" err="1" smtClean="0"/>
-              <a:t>i</a:t>
-            </a:r>
-            <a:r>
-              <a:rPr lang="en-US" dirty="0" smtClean="0"/>
-              <a:t> to j Rope to form a new Rope.</a:t>
-            </a:r>
-          </a:p>
-          <a:p>
-            <a:r>
-              <a:rPr lang="en-US" dirty="0" smtClean="0"/>
-              <a:t>Operation can be complete by:</a:t>
-            </a:r>
-            <a:endParaRPr lang="en-US" dirty="0"/>
-          </a:p>
-          <a:p>
-            <a:pPr lvl="1"/>
-            <a:r>
-              <a:rPr lang="en-US" dirty="0" smtClean="0"/>
-              <a:t>Split()</a:t>
-            </a:r>
-          </a:p>
-          <a:p>
-            <a:pPr lvl="1"/>
-            <a:r>
-              <a:rPr lang="en-US" dirty="0" smtClean="0"/>
-              <a:t>Split()</a:t>
-            </a:r>
-          </a:p>
-          <a:p>
-            <a:pPr lvl="1"/>
-            <a:r>
-              <a:rPr lang="en-US" dirty="0" err="1" smtClean="0"/>
-              <a:t>Concat</a:t>
-            </a:r>
-            <a:r>
-              <a:rPr lang="en-US" dirty="0" smtClean="0"/>
-              <a:t>()</a:t>
-            </a:r>
-          </a:p>
-          <a:p>
-            <a:r>
-              <a:rPr lang="en-US" b="1" dirty="0" smtClean="0"/>
-              <a:t>YOU: Delete(5, 9)</a:t>
-            </a:r>
-            <a:endParaRPr lang="en-US" b="1" dirty="0"/>
-          </a:p>
-        </p:txBody>
-      </p:sp>
-      <p:pic>
-        <p:nvPicPr>
-          <p:cNvPr id="5" name="Content Placeholder 4"/>
-          <p:cNvPicPr>
-            <a:picLocks noGrp="1" noChangeAspect="1"/>
-          </p:cNvPicPr>
-          <p:nvPr>
-            <p:ph sz="half" idx="2"/>
-          </p:nvPr>
-        </p:nvPicPr>
-        <p:blipFill>
-          <a:blip r:embed="rId3">
-            <a:extLst>
-              <a:ext uri="{28A0092B-C50C-407E-A947-70E740481C1C}">
-                <a14:useLocalDpi xmlns:a14="http://schemas.microsoft.com/office/drawing/2010/main" val="0"/>
-              </a:ext>
-            </a:extLst>
-          </a:blip>
-          <a:stretch>
-            <a:fillRect/>
-          </a:stretch>
-        </p:blipFill>
-        <p:spPr>
-          <a:xfrm>
-            <a:off x="5089525" y="2945022"/>
-            <a:ext cx="4184650" cy="2312569"/>
-          </a:xfrm>
-        </p:spPr>
-      </p:pic>
-    </p:spTree>
-    <p:extLst>
-      <p:ext uri="{BB962C8B-B14F-4D97-AF65-F5344CB8AC3E}">
-        <p14:creationId xmlns:p14="http://schemas.microsoft.com/office/powerpoint/2010/main" val="3774578630"/>
-      </p:ext>
-    </p:extLst>
-  </p:cSld>
-  <p:clrMapOvr>
-    <a:masterClrMapping/>
-  </p:clrMapOvr>
-</p:sld>
-</file>
-
-<file path=ppt/slides/slide9.xml><?xml version="1.0" encoding="utf-8"?>
-<p:sld xmlns:a="http://schemas.openxmlformats.org/drawingml/2006/main" xmlns:r="http://schemas.openxmlformats.org/officeDocument/2006/relationships" xmlns:p="http://schemas.openxmlformats.org/presentationml/2006/main">
-  <p:cSld>
-    <p:spTree>
-      <p:nvGrpSpPr>
-        <p:cNvPr id="1" name=""/>
-        <p:cNvGrpSpPr/>
-        <p:nvPr/>
-      </p:nvGrpSpPr>
-      <p:grpSpPr>
-        <a:xfrm>
-          <a:off x="0" y="0"/>
-          <a:ext cx="0" cy="0"/>
-          <a:chOff x="0" y="0"/>
-          <a:chExt cx="0" cy="0"/>
-        </a:xfrm>
-      </p:grpSpPr>
-      <p:sp>
-        <p:nvSpPr>
-          <p:cNvPr id="2" name="Title 1"/>
-          <p:cNvSpPr>
-            <a:spLocks noGrp="1"/>
-          </p:cNvSpPr>
-          <p:nvPr>
-            <p:ph type="title"/>
-          </p:nvPr>
-        </p:nvSpPr>
-        <p:spPr/>
-        <p:txBody>
-          <a:bodyPr/>
-          <a:lstStyle/>
-          <a:p>
-            <a:r>
-              <a:rPr lang="en-US" dirty="0" smtClean="0"/>
               <a:t>Performance</a:t>
             </a:r>
             <a:endParaRPr lang="en-US" dirty="0"/>
@@ -8698,7 +7411,7 @@
         </p:nvGraphicFramePr>
         <p:xfrm>
           <a:off x="677863" y="2160588"/>
-          <a:ext cx="8596312" cy="3881437"/>
+          <a:ext cx="8596311" cy="2966720"/>
         </p:xfrm>
         <a:graphic>
           <a:graphicData uri="http://schemas.openxmlformats.org/drawingml/2006/table">

--- a/presentation2/Presentation.pptx
+++ b/presentation2/Presentation.pptx
@@ -5,17 +5,18 @@
     <p:sldMasterId id="2147483747" r:id="rId1"/>
   </p:sldMasterIdLst>
   <p:notesMasterIdLst>
-    <p:notesMasterId r:id="rId7"/>
+    <p:notesMasterId r:id="rId8"/>
   </p:notesMasterIdLst>
   <p:handoutMasterIdLst>
-    <p:handoutMasterId r:id="rId8"/>
+    <p:handoutMasterId r:id="rId9"/>
   </p:handoutMasterIdLst>
   <p:sldIdLst>
     <p:sldId id="256" r:id="rId2"/>
     <p:sldId id="265" r:id="rId3"/>
     <p:sldId id="266" r:id="rId4"/>
     <p:sldId id="267" r:id="rId5"/>
-    <p:sldId id="264" r:id="rId6"/>
+    <p:sldId id="269" r:id="rId6"/>
+    <p:sldId id="264" r:id="rId7"/>
   </p:sldIdLst>
   <p:sldSz cx="12192000" cy="6858000"/>
   <p:notesSz cx="6858000" cy="9144000"/>
@@ -116,7 +117,18 @@
   </p:defaultTextStyle>
   <p:extLst>
     <p:ext uri="{EFAFB233-063F-42B5-8137-9DF3F51BA10A}">
-      <p15:sldGuideLst xmlns:p15="http://schemas.microsoft.com/office/powerpoint/2012/main"/>
+      <p15:sldGuideLst xmlns:p15="http://schemas.microsoft.com/office/powerpoint/2012/main">
+        <p15:guide id="1" orient="horz" pos="2160" userDrawn="1">
+          <p15:clr>
+            <a:srgbClr val="A4A3A4"/>
+          </p15:clr>
+        </p15:guide>
+        <p15:guide id="2" pos="3840" userDrawn="1">
+          <p15:clr>
+            <a:srgbClr val="A4A3A4"/>
+          </p15:clr>
+        </p15:guide>
+      </p15:sldGuideLst>
     </p:ext>
   </p:extLst>
 </p:presentation>
@@ -171,7 +183,7 @@
             </a:lvl1pPr>
           </a:lstStyle>
           <a:p>
-            <a:endParaRPr lang="en-US"/>
+            <a:endParaRPr lang="en-US" dirty="0"/>
           </a:p>
         </p:txBody>
       </p:sp>
@@ -204,9 +216,9 @@
           <a:p>
             <a:fld id="{6BED733F-F041-4DE7-B29D-DFF0B3381A7D}" type="datetimeFigureOut">
               <a:rPr lang="en-US" smtClean="0"/>
-              <a:t>3/26/2015</a:t>
+              <a:t>3/29/2015</a:t>
             </a:fld>
-            <a:endParaRPr lang="en-US"/>
+            <a:endParaRPr lang="en-US" dirty="0"/>
           </a:p>
         </p:txBody>
       </p:sp>
@@ -237,7 +249,7 @@
             </a:lvl1pPr>
           </a:lstStyle>
           <a:p>
-            <a:endParaRPr lang="en-US"/>
+            <a:endParaRPr lang="en-US" dirty="0"/>
           </a:p>
         </p:txBody>
       </p:sp>
@@ -272,7 +284,7 @@
               <a:rPr lang="en-US" smtClean="0"/>
               <a:t>‹#›</a:t>
             </a:fld>
-            <a:endParaRPr lang="en-US"/>
+            <a:endParaRPr lang="en-US" dirty="0"/>
           </a:p>
         </p:txBody>
       </p:sp>
@@ -336,7 +348,7 @@
             </a:lvl1pPr>
           </a:lstStyle>
           <a:p>
-            <a:endParaRPr lang="en-US"/>
+            <a:endParaRPr lang="en-US" dirty="0"/>
           </a:p>
         </p:txBody>
       </p:sp>
@@ -369,9 +381,9 @@
           <a:p>
             <a:fld id="{B4BD9382-899A-48EE-A56D-B10B8C6E8317}" type="datetimeFigureOut">
               <a:rPr lang="en-US" smtClean="0"/>
-              <a:t>3/26/2015</a:t>
+              <a:t>3/29/2015</a:t>
             </a:fld>
-            <a:endParaRPr lang="en-US"/>
+            <a:endParaRPr lang="en-US" dirty="0"/>
           </a:p>
         </p:txBody>
       </p:sp>
@@ -404,7 +416,7 @@
           <a:bodyPr vert="horz" lIns="91435" tIns="45718" rIns="91435" bIns="45718" rtlCol="0" anchor="ctr"/>
           <a:lstStyle/>
           <a:p>
-            <a:endParaRPr lang="en-US"/>
+            <a:endParaRPr lang="en-US" dirty="0"/>
           </a:p>
         </p:txBody>
       </p:sp>
@@ -495,7 +507,7 @@
             </a:lvl1pPr>
           </a:lstStyle>
           <a:p>
-            <a:endParaRPr lang="en-US"/>
+            <a:endParaRPr lang="en-US" dirty="0"/>
           </a:p>
         </p:txBody>
       </p:sp>
@@ -530,7 +542,7 @@
               <a:rPr lang="en-US" smtClean="0"/>
               <a:t>‹#›</a:t>
             </a:fld>
-            <a:endParaRPr lang="en-US"/>
+            <a:endParaRPr lang="en-US" dirty="0"/>
           </a:p>
         </p:txBody>
       </p:sp>
@@ -681,7 +693,7 @@
           <a:bodyPr/>
           <a:lstStyle/>
           <a:p>
-            <a:endParaRPr lang="en-US"/>
+            <a:endParaRPr lang="en-US" dirty="0"/>
           </a:p>
         </p:txBody>
       </p:sp>
@@ -704,7 +716,7 @@
               <a:rPr lang="en-US" smtClean="0"/>
               <a:t>1</a:t>
             </a:fld>
-            <a:endParaRPr lang="en-US"/>
+            <a:endParaRPr lang="en-US" dirty="0"/>
           </a:p>
         </p:txBody>
       </p:sp>
@@ -765,7 +777,7 @@
           <a:bodyPr/>
           <a:lstStyle/>
           <a:p>
-            <a:endParaRPr lang="en-US"/>
+            <a:endParaRPr lang="en-US" dirty="0"/>
           </a:p>
         </p:txBody>
       </p:sp>
@@ -788,7 +800,7 @@
               <a:rPr lang="en-US" smtClean="0"/>
               <a:t>2</a:t>
             </a:fld>
-            <a:endParaRPr lang="en-US"/>
+            <a:endParaRPr lang="en-US" dirty="0"/>
           </a:p>
         </p:txBody>
       </p:sp>
@@ -849,7 +861,7 @@
           <a:bodyPr/>
           <a:lstStyle/>
           <a:p>
-            <a:endParaRPr lang="en-US"/>
+            <a:endParaRPr lang="en-US" dirty="0"/>
           </a:p>
         </p:txBody>
       </p:sp>
@@ -870,9 +882,9 @@
           <a:p>
             <a:fld id="{707F53B3-AD6C-44D7-B489-66BBF4EF5B97}" type="slidenum">
               <a:rPr lang="en-US" smtClean="0"/>
-              <a:t>5</a:t>
+              <a:t>6</a:t>
             </a:fld>
-            <a:endParaRPr lang="en-US"/>
+            <a:endParaRPr lang="en-US" dirty="0"/>
           </a:p>
         </p:txBody>
       </p:sp>
@@ -1634,9 +1646,9 @@
           <a:p>
             <a:fld id="{206EFEAF-1218-4239-B8F8-9D00AAA8B4F6}" type="datetimeFigureOut">
               <a:rPr lang="en-US" smtClean="0"/>
-              <a:t>3/26/2015</a:t>
+              <a:t>3/29/2015</a:t>
             </a:fld>
-            <a:endParaRPr lang="en-US"/>
+            <a:endParaRPr lang="en-US" dirty="0"/>
           </a:p>
         </p:txBody>
       </p:sp>
@@ -1655,7 +1667,7 @@
           <a:bodyPr/>
           <a:lstStyle/>
           <a:p>
-            <a:endParaRPr lang="en-US"/>
+            <a:endParaRPr lang="en-US" dirty="0"/>
           </a:p>
         </p:txBody>
       </p:sp>
@@ -1678,7 +1690,7 @@
               <a:rPr lang="en-US" smtClean="0"/>
               <a:t>‹#›</a:t>
             </a:fld>
-            <a:endParaRPr lang="en-US"/>
+            <a:endParaRPr lang="en-US" dirty="0"/>
           </a:p>
         </p:txBody>
       </p:sp>
@@ -1885,9 +1897,9 @@
           <a:p>
             <a:fld id="{206EFEAF-1218-4239-B8F8-9D00AAA8B4F6}" type="datetimeFigureOut">
               <a:rPr lang="en-US" smtClean="0"/>
-              <a:t>3/26/2015</a:t>
+              <a:t>3/29/2015</a:t>
             </a:fld>
-            <a:endParaRPr lang="en-US"/>
+            <a:endParaRPr lang="en-US" dirty="0"/>
           </a:p>
         </p:txBody>
       </p:sp>
@@ -1906,7 +1918,7 @@
           <a:bodyPr/>
           <a:lstStyle/>
           <a:p>
-            <a:endParaRPr lang="en-US"/>
+            <a:endParaRPr lang="en-US" dirty="0"/>
           </a:p>
         </p:txBody>
       </p:sp>
@@ -1929,7 +1941,7 @@
               <a:rPr lang="en-US" smtClean="0"/>
               <a:t>‹#›</a:t>
             </a:fld>
-            <a:endParaRPr lang="en-US"/>
+            <a:endParaRPr lang="en-US" dirty="0"/>
           </a:p>
         </p:txBody>
       </p:sp>
@@ -2199,9 +2211,9 @@
           <a:p>
             <a:fld id="{206EFEAF-1218-4239-B8F8-9D00AAA8B4F6}" type="datetimeFigureOut">
               <a:rPr lang="en-US" smtClean="0"/>
-              <a:t>3/26/2015</a:t>
+              <a:t>3/29/2015</a:t>
             </a:fld>
-            <a:endParaRPr lang="en-US"/>
+            <a:endParaRPr lang="en-US" dirty="0"/>
           </a:p>
         </p:txBody>
       </p:sp>
@@ -2220,7 +2232,7 @@
           <a:bodyPr/>
           <a:lstStyle/>
           <a:p>
-            <a:endParaRPr lang="en-US"/>
+            <a:endParaRPr lang="en-US" dirty="0"/>
           </a:p>
         </p:txBody>
       </p:sp>
@@ -2243,7 +2255,7 @@
               <a:rPr lang="en-US" smtClean="0"/>
               <a:t>‹#›</a:t>
             </a:fld>
-            <a:endParaRPr lang="en-US"/>
+            <a:endParaRPr lang="en-US" dirty="0"/>
           </a:p>
         </p:txBody>
       </p:sp>
@@ -2532,9 +2544,9 @@
           <a:p>
             <a:fld id="{206EFEAF-1218-4239-B8F8-9D00AAA8B4F6}" type="datetimeFigureOut">
               <a:rPr lang="en-US" smtClean="0"/>
-              <a:t>3/26/2015</a:t>
+              <a:t>3/29/2015</a:t>
             </a:fld>
-            <a:endParaRPr lang="en-US"/>
+            <a:endParaRPr lang="en-US" dirty="0"/>
           </a:p>
         </p:txBody>
       </p:sp>
@@ -2553,7 +2565,7 @@
           <a:bodyPr/>
           <a:lstStyle/>
           <a:p>
-            <a:endParaRPr lang="en-US"/>
+            <a:endParaRPr lang="en-US" dirty="0"/>
           </a:p>
         </p:txBody>
       </p:sp>
@@ -2576,7 +2588,7 @@
               <a:rPr lang="en-US" smtClean="0"/>
               <a:t>‹#›</a:t>
             </a:fld>
-            <a:endParaRPr lang="en-US"/>
+            <a:endParaRPr lang="en-US" dirty="0"/>
           </a:p>
         </p:txBody>
       </p:sp>
@@ -2846,9 +2858,9 @@
           <a:p>
             <a:fld id="{206EFEAF-1218-4239-B8F8-9D00AAA8B4F6}" type="datetimeFigureOut">
               <a:rPr lang="en-US" smtClean="0"/>
-              <a:t>3/26/2015</a:t>
+              <a:t>3/29/2015</a:t>
             </a:fld>
-            <a:endParaRPr lang="en-US"/>
+            <a:endParaRPr lang="en-US" dirty="0"/>
           </a:p>
         </p:txBody>
       </p:sp>
@@ -2867,7 +2879,7 @@
           <a:bodyPr/>
           <a:lstStyle/>
           <a:p>
-            <a:endParaRPr lang="en-US"/>
+            <a:endParaRPr lang="en-US" dirty="0"/>
           </a:p>
         </p:txBody>
       </p:sp>
@@ -2890,7 +2902,7 @@
               <a:rPr lang="en-US" smtClean="0"/>
               <a:t>‹#›</a:t>
             </a:fld>
-            <a:endParaRPr lang="en-US"/>
+            <a:endParaRPr lang="en-US" dirty="0"/>
           </a:p>
         </p:txBody>
       </p:sp>
@@ -3239,9 +3251,9 @@
           <a:p>
             <a:fld id="{206EFEAF-1218-4239-B8F8-9D00AAA8B4F6}" type="datetimeFigureOut">
               <a:rPr lang="en-US" smtClean="0"/>
-              <a:t>3/26/2015</a:t>
+              <a:t>3/29/2015</a:t>
             </a:fld>
-            <a:endParaRPr lang="en-US"/>
+            <a:endParaRPr lang="en-US" dirty="0"/>
           </a:p>
         </p:txBody>
       </p:sp>
@@ -3260,7 +3272,7 @@
           <a:bodyPr/>
           <a:lstStyle/>
           <a:p>
-            <a:endParaRPr lang="en-US"/>
+            <a:endParaRPr lang="en-US" dirty="0"/>
           </a:p>
         </p:txBody>
       </p:sp>
@@ -3283,7 +3295,7 @@
               <a:rPr lang="en-US" smtClean="0"/>
               <a:t>‹#›</a:t>
             </a:fld>
-            <a:endParaRPr lang="en-US"/>
+            <a:endParaRPr lang="en-US" dirty="0"/>
           </a:p>
         </p:txBody>
       </p:sp>
@@ -3409,9 +3421,9 @@
           <a:p>
             <a:fld id="{206EFEAF-1218-4239-B8F8-9D00AAA8B4F6}" type="datetimeFigureOut">
               <a:rPr lang="en-US" smtClean="0"/>
-              <a:t>3/26/2015</a:t>
+              <a:t>3/29/2015</a:t>
             </a:fld>
-            <a:endParaRPr lang="en-US"/>
+            <a:endParaRPr lang="en-US" dirty="0"/>
           </a:p>
         </p:txBody>
       </p:sp>
@@ -3430,7 +3442,7 @@
           <a:bodyPr/>
           <a:lstStyle/>
           <a:p>
-            <a:endParaRPr lang="en-US"/>
+            <a:endParaRPr lang="en-US" dirty="0"/>
           </a:p>
         </p:txBody>
       </p:sp>
@@ -3453,7 +3465,7 @@
               <a:rPr lang="en-US" smtClean="0"/>
               <a:t>‹#›</a:t>
             </a:fld>
-            <a:endParaRPr lang="en-US"/>
+            <a:endParaRPr lang="en-US" dirty="0"/>
           </a:p>
         </p:txBody>
       </p:sp>
@@ -3589,9 +3601,9 @@
           <a:p>
             <a:fld id="{206EFEAF-1218-4239-B8F8-9D00AAA8B4F6}" type="datetimeFigureOut">
               <a:rPr lang="en-US" smtClean="0"/>
-              <a:t>3/26/2015</a:t>
+              <a:t>3/29/2015</a:t>
             </a:fld>
-            <a:endParaRPr lang="en-US"/>
+            <a:endParaRPr lang="en-US" dirty="0"/>
           </a:p>
         </p:txBody>
       </p:sp>
@@ -3610,7 +3622,7 @@
           <a:bodyPr/>
           <a:lstStyle/>
           <a:p>
-            <a:endParaRPr lang="en-US"/>
+            <a:endParaRPr lang="en-US" dirty="0"/>
           </a:p>
         </p:txBody>
       </p:sp>
@@ -3633,7 +3645,7 @@
               <a:rPr lang="en-US" smtClean="0"/>
               <a:t>‹#›</a:t>
             </a:fld>
-            <a:endParaRPr lang="en-US"/>
+            <a:endParaRPr lang="en-US" dirty="0"/>
           </a:p>
         </p:txBody>
       </p:sp>
@@ -3759,9 +3771,9 @@
           <a:p>
             <a:fld id="{206EFEAF-1218-4239-B8F8-9D00AAA8B4F6}" type="datetimeFigureOut">
               <a:rPr lang="en-US" smtClean="0"/>
-              <a:t>3/26/2015</a:t>
+              <a:t>3/29/2015</a:t>
             </a:fld>
-            <a:endParaRPr lang="en-US"/>
+            <a:endParaRPr lang="en-US" dirty="0"/>
           </a:p>
         </p:txBody>
       </p:sp>
@@ -3780,7 +3792,7 @@
           <a:bodyPr/>
           <a:lstStyle/>
           <a:p>
-            <a:endParaRPr lang="en-US"/>
+            <a:endParaRPr lang="en-US" dirty="0"/>
           </a:p>
         </p:txBody>
       </p:sp>
@@ -3803,7 +3815,7 @@
               <a:rPr lang="en-US" smtClean="0"/>
               <a:t>‹#›</a:t>
             </a:fld>
-            <a:endParaRPr lang="en-US"/>
+            <a:endParaRPr lang="en-US" dirty="0"/>
           </a:p>
         </p:txBody>
       </p:sp>
@@ -4006,9 +4018,9 @@
           <a:p>
             <a:fld id="{206EFEAF-1218-4239-B8F8-9D00AAA8B4F6}" type="datetimeFigureOut">
               <a:rPr lang="en-US" smtClean="0"/>
-              <a:t>3/26/2015</a:t>
+              <a:t>3/29/2015</a:t>
             </a:fld>
-            <a:endParaRPr lang="en-US"/>
+            <a:endParaRPr lang="en-US" dirty="0"/>
           </a:p>
         </p:txBody>
       </p:sp>
@@ -4027,7 +4039,7 @@
           <a:bodyPr/>
           <a:lstStyle/>
           <a:p>
-            <a:endParaRPr lang="en-US"/>
+            <a:endParaRPr lang="en-US" dirty="0"/>
           </a:p>
         </p:txBody>
       </p:sp>
@@ -4050,7 +4062,7 @@
               <a:rPr lang="en-US" smtClean="0"/>
               <a:t>‹#›</a:t>
             </a:fld>
-            <a:endParaRPr lang="en-US"/>
+            <a:endParaRPr lang="en-US" dirty="0"/>
           </a:p>
         </p:txBody>
       </p:sp>
@@ -4238,9 +4250,9 @@
           <a:p>
             <a:fld id="{206EFEAF-1218-4239-B8F8-9D00AAA8B4F6}" type="datetimeFigureOut">
               <a:rPr lang="en-US" smtClean="0"/>
-              <a:t>3/26/2015</a:t>
+              <a:t>3/29/2015</a:t>
             </a:fld>
-            <a:endParaRPr lang="en-US"/>
+            <a:endParaRPr lang="en-US" dirty="0"/>
           </a:p>
         </p:txBody>
       </p:sp>
@@ -4259,7 +4271,7 @@
           <a:bodyPr/>
           <a:lstStyle/>
           <a:p>
-            <a:endParaRPr lang="en-US"/>
+            <a:endParaRPr lang="en-US" dirty="0"/>
           </a:p>
         </p:txBody>
       </p:sp>
@@ -4282,7 +4294,7 @@
               <a:rPr lang="en-US" smtClean="0"/>
               <a:t>‹#›</a:t>
             </a:fld>
-            <a:endParaRPr lang="en-US"/>
+            <a:endParaRPr lang="en-US" dirty="0"/>
           </a:p>
         </p:txBody>
       </p:sp>
@@ -4612,9 +4624,9 @@
           <a:p>
             <a:fld id="{206EFEAF-1218-4239-B8F8-9D00AAA8B4F6}" type="datetimeFigureOut">
               <a:rPr lang="en-US" smtClean="0"/>
-              <a:t>3/26/2015</a:t>
+              <a:t>3/29/2015</a:t>
             </a:fld>
-            <a:endParaRPr lang="en-US"/>
+            <a:endParaRPr lang="en-US" dirty="0"/>
           </a:p>
         </p:txBody>
       </p:sp>
@@ -4633,7 +4645,7 @@
           <a:bodyPr/>
           <a:lstStyle/>
           <a:p>
-            <a:endParaRPr lang="en-US"/>
+            <a:endParaRPr lang="en-US" dirty="0"/>
           </a:p>
         </p:txBody>
       </p:sp>
@@ -4656,7 +4668,7 @@
               <a:rPr lang="en-US" smtClean="0"/>
               <a:t>‹#›</a:t>
             </a:fld>
-            <a:endParaRPr lang="en-US"/>
+            <a:endParaRPr lang="en-US" dirty="0"/>
           </a:p>
         </p:txBody>
       </p:sp>
@@ -4735,9 +4747,9 @@
           <a:p>
             <a:fld id="{206EFEAF-1218-4239-B8F8-9D00AAA8B4F6}" type="datetimeFigureOut">
               <a:rPr lang="en-US" smtClean="0"/>
-              <a:t>3/26/2015</a:t>
+              <a:t>3/29/2015</a:t>
             </a:fld>
-            <a:endParaRPr lang="en-US"/>
+            <a:endParaRPr lang="en-US" dirty="0"/>
           </a:p>
         </p:txBody>
       </p:sp>
@@ -4756,7 +4768,7 @@
           <a:bodyPr/>
           <a:lstStyle/>
           <a:p>
-            <a:endParaRPr lang="en-US"/>
+            <a:endParaRPr lang="en-US" dirty="0"/>
           </a:p>
         </p:txBody>
       </p:sp>
@@ -4779,7 +4791,7 @@
               <a:rPr lang="en-US" smtClean="0"/>
               <a:t>‹#›</a:t>
             </a:fld>
-            <a:endParaRPr lang="en-US"/>
+            <a:endParaRPr lang="en-US" dirty="0"/>
           </a:p>
         </p:txBody>
       </p:sp>
@@ -4830,9 +4842,9 @@
           <a:p>
             <a:fld id="{206EFEAF-1218-4239-B8F8-9D00AAA8B4F6}" type="datetimeFigureOut">
               <a:rPr lang="en-US" smtClean="0"/>
-              <a:t>3/26/2015</a:t>
+              <a:t>3/29/2015</a:t>
             </a:fld>
-            <a:endParaRPr lang="en-US"/>
+            <a:endParaRPr lang="en-US" dirty="0"/>
           </a:p>
         </p:txBody>
       </p:sp>
@@ -4851,7 +4863,7 @@
           <a:bodyPr/>
           <a:lstStyle/>
           <a:p>
-            <a:endParaRPr lang="en-US"/>
+            <a:endParaRPr lang="en-US" dirty="0"/>
           </a:p>
         </p:txBody>
       </p:sp>
@@ -4874,7 +4886,7 @@
               <a:rPr lang="en-US" smtClean="0"/>
               <a:t>‹#›</a:t>
             </a:fld>
-            <a:endParaRPr lang="en-US"/>
+            <a:endParaRPr lang="en-US" dirty="0"/>
           </a:p>
         </p:txBody>
       </p:sp>
@@ -5085,9 +5097,9 @@
           <a:p>
             <a:fld id="{206EFEAF-1218-4239-B8F8-9D00AAA8B4F6}" type="datetimeFigureOut">
               <a:rPr lang="en-US" smtClean="0"/>
-              <a:t>3/26/2015</a:t>
+              <a:t>3/29/2015</a:t>
             </a:fld>
-            <a:endParaRPr lang="en-US"/>
+            <a:endParaRPr lang="en-US" dirty="0"/>
           </a:p>
         </p:txBody>
       </p:sp>
@@ -5106,7 +5118,7 @@
           <a:bodyPr/>
           <a:lstStyle/>
           <a:p>
-            <a:endParaRPr lang="en-US"/>
+            <a:endParaRPr lang="en-US" dirty="0"/>
           </a:p>
         </p:txBody>
       </p:sp>
@@ -5129,7 +5141,7 @@
               <a:rPr lang="en-US" smtClean="0"/>
               <a:t>‹#›</a:t>
             </a:fld>
-            <a:endParaRPr lang="en-US"/>
+            <a:endParaRPr lang="en-US" dirty="0"/>
           </a:p>
         </p:txBody>
       </p:sp>
@@ -5257,7 +5269,7 @@
           </a:lstStyle>
           <a:p>
             <a:r>
-              <a:rPr lang="en-US" smtClean="0"/>
+              <a:rPr lang="en-US" dirty="0" smtClean="0"/>
               <a:t>Click icon to add picture</a:t>
             </a:r>
             <a:endParaRPr lang="en-US" dirty="0"/>
@@ -5346,7 +5358,7 @@
           <a:bodyPr/>
           <a:lstStyle/>
           <a:p>
-            <a:endParaRPr lang="en-US"/>
+            <a:endParaRPr lang="en-US" dirty="0"/>
           </a:p>
         </p:txBody>
       </p:sp>
@@ -5369,7 +5381,7 @@
               <a:rPr lang="en-US" smtClean="0"/>
               <a:t>‹#›</a:t>
             </a:fld>
-            <a:endParaRPr lang="en-US"/>
+            <a:endParaRPr lang="en-US" dirty="0"/>
           </a:p>
         </p:txBody>
       </p:sp>
@@ -5390,9 +5402,9 @@
           <a:p>
             <a:fld id="{206EFEAF-1218-4239-B8F8-9D00AAA8B4F6}" type="datetimeFigureOut">
               <a:rPr lang="en-US" smtClean="0"/>
-              <a:t>3/26/2015</a:t>
+              <a:t>3/29/2015</a:t>
             </a:fld>
-            <a:endParaRPr lang="en-US"/>
+            <a:endParaRPr lang="en-US" dirty="0"/>
           </a:p>
         </p:txBody>
       </p:sp>
@@ -6092,9 +6104,9 @@
           <a:p>
             <a:fld id="{206EFEAF-1218-4239-B8F8-9D00AAA8B4F6}" type="datetimeFigureOut">
               <a:rPr lang="en-US" smtClean="0"/>
-              <a:t>3/26/2015</a:t>
+              <a:t>3/29/2015</a:t>
             </a:fld>
-            <a:endParaRPr lang="en-US"/>
+            <a:endParaRPr lang="en-US" dirty="0"/>
           </a:p>
         </p:txBody>
       </p:sp>
@@ -6131,7 +6143,7 @@
             </a:lvl1pPr>
           </a:lstStyle>
           <a:p>
-            <a:endParaRPr lang="en-US"/>
+            <a:endParaRPr lang="en-US" dirty="0"/>
           </a:p>
         </p:txBody>
       </p:sp>
@@ -6170,7 +6182,7 @@
               <a:rPr lang="en-US" smtClean="0"/>
               <a:t>‹#›</a:t>
             </a:fld>
-            <a:endParaRPr lang="en-US"/>
+            <a:endParaRPr lang="en-US" dirty="0"/>
           </a:p>
         </p:txBody>
       </p:sp>
@@ -6740,7 +6752,7 @@
         </p:spPr>
         <p:txBody>
           <a:bodyPr>
-            <a:normAutofit/>
+            <a:normAutofit fontScale="92500" lnSpcReduction="10000"/>
           </a:bodyPr>
           <a:lstStyle/>
           <a:p>
@@ -6754,8 +6766,24 @@
             </a:r>
             <a:r>
               <a:rPr lang="en-US" dirty="0" smtClean="0"/>
-              <a:t>on heuristic.</a:t>
-            </a:r>
+              <a:t>on heuristic</a:t>
+            </a:r>
+            <a:r>
+              <a:rPr lang="en-US" dirty="0" smtClean="0"/>
+              <a:t>.</a:t>
+            </a:r>
+          </a:p>
+          <a:p>
+            <a:pPr lvl="1"/>
+            <a:r>
+              <a:rPr lang="en-US" dirty="0"/>
+              <a:t>h</a:t>
+            </a:r>
+            <a:r>
+              <a:rPr lang="en-US" dirty="0" smtClean="0"/>
+              <a:t>euristic – educated approximation (not exact)</a:t>
+            </a:r>
+            <a:endParaRPr lang="en-US" dirty="0" smtClean="0"/>
           </a:p>
           <a:p>
             <a:r>
@@ -6956,7 +6984,15 @@
           <a:p>
             <a:r>
               <a:rPr lang="en-US" dirty="0"/>
-              <a:t>Used in systems with limited memory capacity to store entire search tree.</a:t>
+              <a:t>Used in systems with limited memory </a:t>
+            </a:r>
+            <a:r>
+              <a:rPr lang="en-US" dirty="0" smtClean="0"/>
+              <a:t>capacity, unable </a:t>
+            </a:r>
+            <a:r>
+              <a:rPr lang="en-US" dirty="0"/>
+              <a:t>to store entire search tree.</a:t>
             </a:r>
           </a:p>
           <a:p>
@@ -6996,7 +7032,7 @@
         </p:blipFill>
         <p:spPr>
           <a:xfrm>
-            <a:off x="5089525" y="2354747"/>
+            <a:off x="5089352" y="2354416"/>
             <a:ext cx="4184650" cy="3493118"/>
           </a:xfrm>
         </p:spPr>
@@ -7011,6 +7047,13 @@
   <p:clrMapOvr>
     <a:masterClrMapping/>
   </p:clrMapOvr>
+  <p:timing>
+    <p:tnLst>
+      <p:par>
+        <p:cTn id="1" dur="indefinite" restart="never" nodeType="tmRoot"/>
+      </p:par>
+    </p:tnLst>
+  </p:timing>
 </p:sld>
 </file>
 
@@ -7046,7 +7089,11 @@
           <a:bodyPr/>
           <a:lstStyle/>
           <a:p>
-            <a:endParaRPr lang="en-US"/>
+            <a:r>
+              <a:rPr lang="en-US" dirty="0" smtClean="0"/>
+              <a:t>Algorithm</a:t>
+            </a:r>
+            <a:endParaRPr lang="en-US" dirty="0"/>
           </a:p>
         </p:txBody>
       </p:sp>
@@ -7062,13 +7109,13 @@
         </p:nvSpPr>
         <p:spPr>
           <a:xfrm>
-            <a:off x="677334" y="2160589"/>
-            <a:ext cx="4187952" cy="3880772"/>
+            <a:off x="677333" y="2160589"/>
+            <a:ext cx="4588933" cy="3880772"/>
           </a:xfrm>
         </p:spPr>
         <p:txBody>
           <a:bodyPr>
-            <a:normAutofit fontScale="70000" lnSpcReduction="20000"/>
+            <a:normAutofit fontScale="85000" lnSpcReduction="10000"/>
           </a:bodyPr>
           <a:lstStyle/>
           <a:p>
@@ -7076,24 +7123,113 @@
               <a:buNone/>
             </a:pPr>
             <a:r>
-              <a:rPr lang="en-US" dirty="0" err="1"/>
-              <a:t>beamSearch</a:t>
-            </a:r>
-            <a:r>
               <a:rPr lang="en-US" dirty="0"/>
-              <a:t>(</a:t>
-            </a:r>
-            <a:r>
-              <a:rPr lang="en-US" dirty="0" err="1"/>
-              <a:t>problemSet</a:t>
+              <a:t>beamSearch(problemSet</a:t>
             </a:r>
             <a:r>
               <a:rPr lang="en-US" dirty="0" smtClean="0"/>
-              <a:t>, </a:t>
-            </a:r>
-            <a:r>
-              <a:rPr lang="en-US" dirty="0" err="1" smtClean="0"/>
-              <a:t>memorySize</a:t>
+              <a:t>, memorySize):</a:t>
+            </a:r>
+          </a:p>
+          <a:p>
+            <a:pPr marL="0" indent="0">
+              <a:buNone/>
+            </a:pPr>
+            <a:r>
+              <a:rPr lang="en-US" dirty="0"/>
+              <a:t>	</a:t>
+            </a:r>
+            <a:r>
+              <a:rPr lang="en-US" dirty="0" smtClean="0"/>
+              <a:t>openList </a:t>
+            </a:r>
+            <a:r>
+              <a:rPr lang="en-US" dirty="0"/>
+              <a:t>= new memory of size </a:t>
+            </a:r>
+            <a:r>
+              <a:rPr lang="en-US" dirty="0" smtClean="0"/>
+              <a:t>memorySize;</a:t>
+            </a:r>
+            <a:endParaRPr lang="en-US" dirty="0" smtClean="0"/>
+          </a:p>
+          <a:p>
+            <a:pPr marL="0" indent="0">
+              <a:buNone/>
+            </a:pPr>
+            <a:r>
+              <a:rPr lang="en-US" dirty="0"/>
+              <a:t>	</a:t>
+            </a:r>
+            <a:r>
+              <a:rPr lang="en-US" dirty="0" smtClean="0"/>
+              <a:t>tree = </a:t>
+            </a:r>
+            <a:r>
+              <a:rPr lang="en-US" dirty="0" smtClean="0"/>
+              <a:t>problemSet.tree;</a:t>
+            </a:r>
+            <a:endParaRPr lang="en-US" dirty="0" smtClean="0"/>
+          </a:p>
+          <a:p>
+            <a:pPr marL="0" indent="0">
+              <a:buNone/>
+            </a:pPr>
+            <a:r>
+              <a:rPr lang="en-US" dirty="0"/>
+              <a:t>	</a:t>
+            </a:r>
+            <a:r>
+              <a:rPr lang="en-US" dirty="0" smtClean="0"/>
+              <a:t>node </a:t>
+            </a:r>
+            <a:r>
+              <a:rPr lang="en-US" dirty="0"/>
+              <a:t>= </a:t>
+            </a:r>
+            <a:r>
+              <a:rPr lang="en-US" dirty="0" smtClean="0"/>
+              <a:t>tree.root;</a:t>
+            </a:r>
+            <a:endParaRPr lang="en-US" dirty="0" smtClean="0"/>
+          </a:p>
+          <a:p>
+            <a:pPr marL="0" indent="0">
+              <a:buNone/>
+            </a:pPr>
+            <a:r>
+              <a:rPr lang="en-US" dirty="0"/>
+              <a:t>	</a:t>
+            </a:r>
+            <a:r>
+              <a:rPr lang="en-US" dirty="0" smtClean="0"/>
+              <a:t>Add </a:t>
+            </a:r>
+            <a:r>
+              <a:rPr lang="en-US" dirty="0"/>
+              <a:t>node to </a:t>
+            </a:r>
+            <a:r>
+              <a:rPr lang="en-US" dirty="0" smtClean="0"/>
+              <a:t>openList;</a:t>
+            </a:r>
+            <a:endParaRPr lang="en-US" dirty="0" smtClean="0"/>
+          </a:p>
+          <a:p>
+            <a:pPr marL="0" indent="0">
+              <a:buNone/>
+            </a:pPr>
+            <a:r>
+              <a:rPr lang="en-US" dirty="0"/>
+              <a:t>	</a:t>
+            </a:r>
+            <a:r>
+              <a:rPr lang="en-US" dirty="0" smtClean="0"/>
+              <a:t>while </a:t>
+            </a:r>
+            <a:r>
+              <a:rPr lang="en-US" dirty="0"/>
+              <a:t>(node is not a goal node</a:t>
             </a:r>
             <a:r>
               <a:rPr lang="en-US" dirty="0" smtClean="0"/>
@@ -7109,20 +7245,16 @@
               <a:t>	</a:t>
             </a:r>
             <a:r>
-              <a:rPr lang="en-US" dirty="0" err="1" smtClean="0"/>
-              <a:t>openList</a:t>
-            </a:r>
-            <a:r>
               <a:rPr lang="en-US" dirty="0" smtClean="0"/>
-              <a:t> </a:t>
+              <a:t>	Delete </a:t>
             </a:r>
             <a:r>
               <a:rPr lang="en-US" dirty="0"/>
-              <a:t>= new memory of size </a:t>
-            </a:r>
-            <a:r>
-              <a:rPr lang="en-US" dirty="0" err="1" smtClean="0"/>
-              <a:t>memorySize</a:t>
+              <a:t>node from </a:t>
+            </a:r>
+            <a:r>
+              <a:rPr lang="en-US" dirty="0" smtClean="0"/>
+              <a:t>openList;</a:t>
             </a:r>
             <a:endParaRPr lang="en-US" dirty="0" smtClean="0"/>
           </a:p>
@@ -7136,11 +7268,37 @@
             </a:r>
             <a:r>
               <a:rPr lang="en-US" dirty="0" smtClean="0"/>
-              <a:t>tree = </a:t>
-            </a:r>
-            <a:r>
-              <a:rPr lang="en-US" dirty="0" err="1" smtClean="0"/>
-              <a:t>problemSet.tree</a:t>
+              <a:t>	Expand </a:t>
+            </a:r>
+            <a:r>
+              <a:rPr lang="en-US" dirty="0"/>
+              <a:t>node and obtain its </a:t>
+            </a:r>
+            <a:r>
+              <a:rPr lang="en-US" dirty="0" smtClean="0"/>
+              <a:t>children;</a:t>
+            </a:r>
+            <a:endParaRPr lang="en-US" dirty="0"/>
+          </a:p>
+          <a:p>
+            <a:pPr marL="0" indent="0">
+              <a:buNone/>
+            </a:pPr>
+            <a:r>
+              <a:rPr lang="en-US" dirty="0" smtClean="0"/>
+              <a:t>	</a:t>
+            </a:r>
+            <a:r>
+              <a:rPr lang="en-US" dirty="0" smtClean="0"/>
+              <a:t>	Place children </a:t>
+            </a:r>
+            <a:r>
+              <a:rPr lang="en-US" dirty="0"/>
+              <a:t>into </a:t>
+            </a:r>
+            <a:r>
+              <a:rPr lang="en-US" dirty="0" smtClean="0"/>
+              <a:t>openList;</a:t>
             </a:r>
             <a:endParaRPr lang="en-US" dirty="0" smtClean="0"/>
           </a:p>
@@ -7154,151 +7312,29 @@
             </a:r>
             <a:r>
               <a:rPr lang="en-US" dirty="0" smtClean="0"/>
-              <a:t>node </a:t>
+              <a:t>	If </a:t>
             </a:r>
             <a:r>
               <a:rPr lang="en-US" dirty="0"/>
-              <a:t>= </a:t>
-            </a:r>
-            <a:r>
-              <a:rPr lang="en-US" dirty="0" err="1" smtClean="0"/>
-              <a:t>tree.root</a:t>
-            </a:r>
-            <a:endParaRPr lang="en-US" dirty="0" smtClean="0"/>
-          </a:p>
-          <a:p>
-            <a:pPr marL="0" indent="0">
-              <a:buNone/>
-            </a:pPr>
+              <a:t>memory is full and has no room for </a:t>
+            </a:r>
+            <a:r>
+              <a:rPr lang="en-US" dirty="0" smtClean="0"/>
+              <a:t>		new </a:t>
+            </a:r>
             <a:r>
               <a:rPr lang="en-US" dirty="0"/>
-              <a:t>	</a:t>
-            </a:r>
-            <a:r>
-              <a:rPr lang="en-US" dirty="0" smtClean="0"/>
-              <a:t>Add </a:t>
-            </a:r>
-            <a:r>
-              <a:rPr lang="en-US" dirty="0"/>
-              <a:t>node to </a:t>
-            </a:r>
-            <a:r>
-              <a:rPr lang="en-US" dirty="0" err="1" smtClean="0"/>
-              <a:t>openList</a:t>
-            </a:r>
-            <a:endParaRPr lang="en-US" dirty="0" smtClean="0"/>
-          </a:p>
-          <a:p>
-            <a:pPr marL="0" indent="0">
-              <a:buNone/>
-            </a:pPr>
-            <a:r>
-              <a:rPr lang="en-US" dirty="0"/>
-              <a:t>	</a:t>
-            </a:r>
-            <a:r>
-              <a:rPr lang="en-US" dirty="0" smtClean="0"/>
-              <a:t>while </a:t>
-            </a:r>
-            <a:r>
-              <a:rPr lang="en-US" dirty="0"/>
-              <a:t>(node is not a goal node</a:t>
-            </a:r>
-            <a:r>
-              <a:rPr lang="en-US" dirty="0" smtClean="0"/>
-              <a:t>):</a:t>
-            </a:r>
-          </a:p>
-          <a:p>
-            <a:pPr marL="0" indent="0">
-              <a:buNone/>
-            </a:pPr>
-            <a:r>
-              <a:rPr lang="en-US" dirty="0"/>
-              <a:t>	</a:t>
-            </a:r>
-            <a:r>
-              <a:rPr lang="en-US" dirty="0" smtClean="0"/>
-              <a:t>	Delete </a:t>
-            </a:r>
-            <a:r>
-              <a:rPr lang="en-US" dirty="0"/>
-              <a:t>node from </a:t>
-            </a:r>
-            <a:r>
-              <a:rPr lang="en-US" dirty="0" err="1" smtClean="0"/>
-              <a:t>openList</a:t>
-            </a:r>
-            <a:endParaRPr lang="en-US" dirty="0" smtClean="0"/>
-          </a:p>
-          <a:p>
-            <a:pPr marL="0" indent="0">
-              <a:buNone/>
-            </a:pPr>
-            <a:r>
-              <a:rPr lang="en-US" dirty="0"/>
-              <a:t>	</a:t>
-            </a:r>
-            <a:r>
-              <a:rPr lang="en-US" dirty="0" smtClean="0"/>
-              <a:t>	Expand </a:t>
-            </a:r>
-            <a:r>
-              <a:rPr lang="en-US" dirty="0"/>
-              <a:t>node and obtain its children, </a:t>
-            </a:r>
-            <a:r>
-              <a:rPr lang="en-US" dirty="0" smtClean="0"/>
-              <a:t>evaluate those children</a:t>
-            </a:r>
-            <a:endParaRPr lang="en-US" dirty="0"/>
-          </a:p>
-          <a:p>
-            <a:pPr marL="0" indent="0">
-              <a:buNone/>
-            </a:pPr>
-            <a:r>
-              <a:rPr lang="en-US" dirty="0" smtClean="0"/>
-              <a:t>		Place </a:t>
-            </a:r>
-            <a:r>
-              <a:rPr lang="en-US" dirty="0"/>
-              <a:t>remaining, non-pruned children into </a:t>
-            </a:r>
-            <a:r>
-              <a:rPr lang="en-US" dirty="0" err="1" smtClean="0"/>
-              <a:t>openList</a:t>
-            </a:r>
-            <a:endParaRPr lang="en-US" dirty="0" smtClean="0"/>
-          </a:p>
-          <a:p>
-            <a:pPr marL="0" indent="0">
-              <a:buNone/>
-            </a:pPr>
-            <a:r>
-              <a:rPr lang="en-US" dirty="0"/>
-              <a:t>	</a:t>
-            </a:r>
-            <a:r>
-              <a:rPr lang="en-US" dirty="0" smtClean="0"/>
-              <a:t>	If </a:t>
-            </a:r>
-            <a:r>
-              <a:rPr lang="en-US" dirty="0"/>
-              <a:t>memory is full and has no room for new nodes, </a:t>
+              <a:t>nodes, </a:t>
             </a:r>
             <a:r>
               <a:rPr lang="en-US" dirty="0" smtClean="0"/>
               <a:t>remove </a:t>
             </a:r>
             <a:r>
-              <a:rPr lang="en-US" dirty="0"/>
-              <a:t>the </a:t>
-            </a:r>
-            <a:r>
               <a:rPr lang="en-US" dirty="0" smtClean="0"/>
-              <a:t>worst</a:t>
-            </a:r>
+              <a:t>worst node(s);</a:t>
+            </a:r>
+            <a:endParaRPr lang="en-US" dirty="0" smtClean="0"/>
           </a:p>
           <a:p>
             <a:pPr marL="0" indent="0">
@@ -7313,34 +7349,42 @@
               <a:t>= the least costly node in </a:t>
             </a:r>
             <a:r>
-              <a:rPr lang="en-US" dirty="0" err="1" smtClean="0"/>
-              <a:t>openList</a:t>
-            </a:r>
-            <a:endParaRPr lang="en-US" dirty="0"/>
-          </a:p>
-        </p:txBody>
-      </p:sp>
-      <p:sp>
-        <p:nvSpPr>
-          <p:cNvPr id="4" name="Content Placeholder 3"/>
-          <p:cNvSpPr>
-            <a:spLocks noGrp="1"/>
-          </p:cNvSpPr>
+              <a:rPr lang="en-US" dirty="0" smtClean="0"/>
+              <a:t>openList;</a:t>
+            </a:r>
+            <a:endParaRPr lang="en-US" dirty="0"/>
+          </a:p>
+        </p:txBody>
+      </p:sp>
+      <p:pic>
+        <p:nvPicPr>
+          <p:cNvPr id="5" name="Content Placeholder 4"/>
+          <p:cNvPicPr>
+            <a:picLocks noGrp="1" noChangeAspect="1"/>
+          </p:cNvPicPr>
           <p:nvPr>
             <p:ph sz="half" idx="2"/>
           </p:nvPr>
-        </p:nvSpPr>
-        <p:spPr/>
-        <p:txBody>
-          <a:bodyPr>
-            <a:normAutofit fontScale="70000" lnSpcReduction="20000"/>
-          </a:bodyPr>
-          <a:lstStyle/>
-          <a:p>
-            <a:endParaRPr lang="en-US"/>
-          </a:p>
-        </p:txBody>
-      </p:sp>
+        </p:nvPicPr>
+        <p:blipFill>
+          <a:blip r:embed="rId2">
+            <a:extLst>
+              <a:ext uri="{28A0092B-C50C-407E-A947-70E740481C1C}">
+                <a14:useLocalDpi xmlns:a14="http://schemas.microsoft.com/office/drawing/2010/main" val="0"/>
+              </a:ext>
+            </a:extLst>
+          </a:blip>
+          <a:stretch>
+            <a:fillRect/>
+          </a:stretch>
+        </p:blipFill>
+        <p:spPr>
+          <a:xfrm>
+            <a:off x="5266266" y="2729375"/>
+            <a:ext cx="5662436" cy="2743200"/>
+          </a:xfrm>
+        </p:spPr>
+      </p:pic>
     </p:spTree>
     <p:extLst>
       <p:ext uri="{BB962C8B-B14F-4D97-AF65-F5344CB8AC3E}">
@@ -7351,6 +7395,13 @@
   <p:clrMapOvr>
     <a:masterClrMapping/>
   </p:clrMapOvr>
+  <p:timing>
+    <p:tnLst>
+      <p:par>
+        <p:cTn id="1" dur="indefinite" restart="never" nodeType="tmRoot"/>
+      </p:par>
+    </p:tnLst>
+  </p:timing>
 </p:sld>
 </file>
 
@@ -7387,8 +7438,126 @@
           <a:lstStyle/>
           <a:p>
             <a:r>
+              <a:rPr lang="en-US" dirty="0"/>
+              <a:t>Pathfinding</a:t>
+            </a:r>
+          </a:p>
+        </p:txBody>
+      </p:sp>
+      <p:pic>
+        <p:nvPicPr>
+          <p:cNvPr id="6" name="Content Placeholder 5"/>
+          <p:cNvPicPr>
+            <a:picLocks noGrp="1" noChangeAspect="1"/>
+          </p:cNvPicPr>
+          <p:nvPr>
+            <p:ph idx="1"/>
+          </p:nvPr>
+        </p:nvPicPr>
+        <p:blipFill>
+          <a:blip r:embed="rId2">
+            <a:extLst>
+              <a:ext uri="{28A0092B-C50C-407E-A947-70E740481C1C}">
+                <a14:useLocalDpi xmlns:a14="http://schemas.microsoft.com/office/drawing/2010/main" val="0"/>
+              </a:ext>
+            </a:extLst>
+          </a:blip>
+          <a:stretch>
+            <a:fillRect/>
+          </a:stretch>
+        </p:blipFill>
+        <p:spPr>
+          <a:xfrm>
+            <a:off x="1091774" y="1930400"/>
+            <a:ext cx="7356631" cy="4111625"/>
+          </a:xfrm>
+        </p:spPr>
+      </p:pic>
+      <p:sp>
+        <p:nvSpPr>
+          <p:cNvPr id="7" name="TextBox 6"/>
+          <p:cNvSpPr txBox="1"/>
+          <p:nvPr/>
+        </p:nvSpPr>
+        <p:spPr>
+          <a:xfrm>
+            <a:off x="1354241" y="2379133"/>
+            <a:ext cx="1159934" cy="369332"/>
+          </a:xfrm>
+          <a:prstGeom prst="rect">
+            <a:avLst/>
+          </a:prstGeom>
+          <a:noFill/>
+        </p:spPr>
+        <p:txBody>
+          <a:bodyPr wrap="square" rtlCol="0">
+            <a:spAutoFit/>
+          </a:bodyPr>
+          <a:lstStyle/>
+          <a:p>
+            <a:r>
               <a:rPr lang="en-US" dirty="0" smtClean="0"/>
-              <a:t>Performance</a:t>
+              <a:t>k = 2</a:t>
+            </a:r>
+            <a:endParaRPr lang="en-US" dirty="0"/>
+          </a:p>
+        </p:txBody>
+      </p:sp>
+    </p:spTree>
+    <p:extLst>
+      <p:ext uri="{BB962C8B-B14F-4D97-AF65-F5344CB8AC3E}">
+        <p14:creationId xmlns:p14="http://schemas.microsoft.com/office/powerpoint/2010/main" val="293429566"/>
+      </p:ext>
+    </p:extLst>
+  </p:cSld>
+  <p:clrMapOvr>
+    <a:masterClrMapping/>
+  </p:clrMapOvr>
+  <p:timing>
+    <p:tnLst>
+      <p:par>
+        <p:cTn id="1" dur="indefinite" restart="never" nodeType="tmRoot"/>
+      </p:par>
+    </p:tnLst>
+  </p:timing>
+</p:sld>
+</file>
+
+<file path=ppt/slides/slide6.xml><?xml version="1.0" encoding="utf-8"?>
+<p:sld xmlns:a="http://schemas.openxmlformats.org/drawingml/2006/main" xmlns:r="http://schemas.openxmlformats.org/officeDocument/2006/relationships" xmlns:p="http://schemas.openxmlformats.org/presentationml/2006/main">
+  <p:cSld>
+    <p:spTree>
+      <p:nvGrpSpPr>
+        <p:cNvPr id="1" name=""/>
+        <p:cNvGrpSpPr/>
+        <p:nvPr/>
+      </p:nvGrpSpPr>
+      <p:grpSpPr>
+        <a:xfrm>
+          <a:off x="0" y="0"/>
+          <a:ext cx="0" cy="0"/>
+          <a:chOff x="0" y="0"/>
+          <a:chExt cx="0" cy="0"/>
+        </a:xfrm>
+      </p:grpSpPr>
+      <p:sp>
+        <p:nvSpPr>
+          <p:cNvPr id="2" name="Title 1"/>
+          <p:cNvSpPr>
+            <a:spLocks noGrp="1"/>
+          </p:cNvSpPr>
+          <p:nvPr>
+            <p:ph type="title"/>
+          </p:nvPr>
+        </p:nvSpPr>
+        <p:spPr/>
+        <p:txBody>
+          <a:bodyPr/>
+          <a:lstStyle/>
+          <a:p>
+            <a:r>
+              <a:rPr lang="en-US" dirty="0" smtClean="0"/>
+              <a:t>Complexity</a:t>
             </a:r>
             <a:endParaRPr lang="en-US" dirty="0"/>
           </a:p>
@@ -7404,14 +7573,14 @@
             <p:ph idx="1"/>
             <p:extLst>
               <p:ext uri="{D42A27DB-BD31-4B8C-83A1-F6EECF244321}">
-                <p14:modId xmlns:p14="http://schemas.microsoft.com/office/powerpoint/2010/main" val="2384466474"/>
+                <p14:modId xmlns:p14="http://schemas.microsoft.com/office/powerpoint/2010/main" val="702759868"/>
               </p:ext>
             </p:extLst>
           </p:nvPr>
         </p:nvGraphicFramePr>
         <p:xfrm>
-          <a:off x="677863" y="2160588"/>
-          <a:ext cx="8596311" cy="2966720"/>
+          <a:off x="677334" y="2593339"/>
+          <a:ext cx="5703062" cy="1112520"/>
         </p:xfrm>
         <a:graphic>
           <a:graphicData uri="http://schemas.openxmlformats.org/drawingml/2006/table">
@@ -7420,9 +7589,9 @@
                 <a:tableStyleId>{5C22544A-7EE6-4342-B048-85BDC9FD1C3A}</a:tableStyleId>
               </a:tblPr>
               <a:tblGrid>
-                <a:gridCol w="2865437"/>
-                <a:gridCol w="2865437"/>
-                <a:gridCol w="2865437"/>
+                <a:gridCol w="1551686"/>
+                <a:gridCol w="2075688"/>
+                <a:gridCol w="2075688"/>
               </a:tblGrid>
               <a:tr h="370840">
                 <a:tc>
@@ -7432,12 +7601,12 @@
                     <a:p>
                       <a:r>
                         <a:rPr lang="en-US" dirty="0" smtClean="0"/>
-                        <a:t>Operation</a:t>
+                        <a:t>Complexity</a:t>
                       </a:r>
                       <a:endParaRPr lang="en-US" dirty="0"/>
                     </a:p>
                   </a:txBody>
-                  <a:tcPr/>
+                  <a:tcPr anchor="ctr"/>
                 </a:tc>
                 <a:tc>
                   <a:txBody>
@@ -7447,12 +7616,16 @@
                       <a:pPr algn="ctr"/>
                       <a:r>
                         <a:rPr lang="en-US" dirty="0" smtClean="0"/>
-                        <a:t>Rope</a:t>
+                        <a:t>Best-First</a:t>
+                      </a:r>
+                      <a:r>
+                        <a:rPr lang="en-US" baseline="0" dirty="0" smtClean="0"/>
+                        <a:t> Search</a:t>
                       </a:r>
                       <a:endParaRPr lang="en-US" dirty="0"/>
                     </a:p>
                   </a:txBody>
-                  <a:tcPr/>
+                  <a:tcPr anchor="ctr"/>
                 </a:tc>
                 <a:tc>
                   <a:txBody>
@@ -7462,12 +7635,12 @@
                       <a:pPr algn="ctr"/>
                       <a:r>
                         <a:rPr lang="en-US" dirty="0" smtClean="0"/>
-                        <a:t>String</a:t>
+                        <a:t>Beam Search</a:t>
                       </a:r>
                       <a:endParaRPr lang="en-US" dirty="0"/>
                     </a:p>
                   </a:txBody>
-                  <a:tcPr/>
+                  <a:tcPr anchor="ctr"/>
                 </a:tc>
               </a:tr>
               <a:tr h="370840">
@@ -7495,11 +7668,12 @@
                       </a:pPr>
                       <a:r>
                         <a:rPr lang="en-US" dirty="0" smtClean="0"/>
-                        <a:t>Build</a:t>
+                        <a:t>Performance</a:t>
                       </a:r>
+                      <a:endParaRPr lang="en-US" dirty="0" smtClean="0"/>
                     </a:p>
                   </a:txBody>
-                  <a:tcPr/>
+                  <a:tcPr anchor="ctr"/>
                 </a:tc>
                 <a:tc>
                   <a:txBody>
@@ -7509,12 +7683,20 @@
                       <a:pPr algn="ctr"/>
                       <a:r>
                         <a:rPr lang="en-US" dirty="0" smtClean="0"/>
-                        <a:t>O(n)</a:t>
+                        <a:t>O(b</a:t>
+                      </a:r>
+                      <a:r>
+                        <a:rPr lang="en-US" baseline="30000" dirty="0" smtClean="0"/>
+                        <a:t>d</a:t>
+                      </a:r>
+                      <a:r>
+                        <a:rPr lang="en-US" dirty="0" smtClean="0"/>
+                        <a:t>)</a:t>
                       </a:r>
                       <a:endParaRPr lang="en-US" dirty="0"/>
                     </a:p>
                   </a:txBody>
-                  <a:tcPr/>
+                  <a:tcPr anchor="ctr"/>
                 </a:tc>
                 <a:tc>
                   <a:txBody>
@@ -7524,12 +7706,20 @@
                       <a:pPr algn="ctr"/>
                       <a:r>
                         <a:rPr lang="en-US" dirty="0" smtClean="0"/>
-                        <a:t>O(n)</a:t>
+                        <a:t>O(k</a:t>
+                      </a:r>
+                      <a:r>
+                        <a:rPr lang="en-US" baseline="30000" dirty="0" smtClean="0"/>
+                        <a:t>d</a:t>
+                      </a:r>
+                      <a:r>
+                        <a:rPr lang="en-US" dirty="0" smtClean="0"/>
+                        <a:t>)</a:t>
                       </a:r>
                       <a:endParaRPr lang="en-US" dirty="0"/>
                     </a:p>
                   </a:txBody>
-                  <a:tcPr/>
+                  <a:tcPr anchor="ctr"/>
                 </a:tc>
               </a:tr>
               <a:tr h="370840">
@@ -7557,19 +7747,12 @@
                       </a:pPr>
                       <a:r>
                         <a:rPr lang="en-US" dirty="0" smtClean="0"/>
-                        <a:t>Iterate over e/</a:t>
+                        <a:t>Space</a:t>
                       </a:r>
-                      <a:r>
-                        <a:rPr lang="en-US" baseline="0" dirty="0" smtClean="0"/>
-                        <a:t> </a:t>
-                      </a:r>
-                      <a:r>
-                        <a:rPr lang="en-US" dirty="0" smtClean="0"/>
-                        <a:t>character</a:t>
-                      </a:r>
+                      <a:endParaRPr lang="en-US" dirty="0" smtClean="0"/>
                     </a:p>
                   </a:txBody>
-                  <a:tcPr/>
+                  <a:tcPr anchor="ctr"/>
                 </a:tc>
                 <a:tc>
                   <a:txBody>
@@ -7584,7 +7767,7 @@
                       <a:endParaRPr lang="en-US" dirty="0"/>
                     </a:p>
                   </a:txBody>
-                  <a:tcPr/>
+                  <a:tcPr anchor="ctr"/>
                 </a:tc>
                 <a:tc>
                   <a:txBody>
@@ -7594,248 +7777,65 @@
                       <a:pPr algn="ctr"/>
                       <a:r>
                         <a:rPr lang="en-US" dirty="0" smtClean="0"/>
-                        <a:t>O(n)</a:t>
+                        <a:t>O(k)</a:t>
                       </a:r>
                       <a:endParaRPr lang="en-US" dirty="0"/>
                     </a:p>
                   </a:txBody>
-                  <a:tcPr/>
-                </a:tc>
-              </a:tr>
-              <a:tr h="370840">
-                <a:tc>
-                  <a:txBody>
-                    <a:bodyPr/>
-                    <a:lstStyle/>
-                    <a:p>
-                      <a:r>
-                        <a:rPr lang="en-US" dirty="0" smtClean="0"/>
-                        <a:t>Index</a:t>
-                      </a:r>
-                      <a:endParaRPr lang="en-US" dirty="0"/>
-                    </a:p>
-                  </a:txBody>
-                  <a:tcPr/>
-                </a:tc>
-                <a:tc>
-                  <a:txBody>
-                    <a:bodyPr/>
-                    <a:lstStyle/>
-                    <a:p>
-                      <a:pPr algn="ctr"/>
-                      <a:r>
-                        <a:rPr lang="en-US" dirty="0" smtClean="0"/>
-                        <a:t>O(log n)</a:t>
-                      </a:r>
-                      <a:endParaRPr lang="en-US" dirty="0"/>
-                    </a:p>
-                  </a:txBody>
-                  <a:tcPr/>
-                </a:tc>
-                <a:tc>
-                  <a:txBody>
-                    <a:bodyPr/>
-                    <a:lstStyle/>
-                    <a:p>
-                      <a:pPr algn="ctr"/>
-                      <a:r>
-                        <a:rPr lang="en-US" dirty="0" smtClean="0"/>
-                        <a:t>O(1)</a:t>
-                      </a:r>
-                      <a:endParaRPr lang="en-US" dirty="0"/>
-                    </a:p>
-                  </a:txBody>
-                  <a:tcPr/>
-                </a:tc>
-              </a:tr>
-              <a:tr h="370840">
-                <a:tc>
-                  <a:txBody>
-                    <a:bodyPr/>
-                    <a:lstStyle/>
-                    <a:p>
-                      <a:r>
-                        <a:rPr lang="en-US" dirty="0" smtClean="0"/>
-                        <a:t>Concatenate</a:t>
-                      </a:r>
-                      <a:endParaRPr lang="en-US" dirty="0"/>
-                    </a:p>
-                  </a:txBody>
-                  <a:tcPr/>
-                </a:tc>
-                <a:tc>
-                  <a:txBody>
-                    <a:bodyPr/>
-                    <a:lstStyle/>
-                    <a:p>
-                      <a:pPr algn="ctr"/>
-                      <a:r>
-                        <a:rPr lang="en-US" dirty="0" smtClean="0"/>
-                        <a:t>O(log n)</a:t>
-                      </a:r>
-                      <a:endParaRPr lang="en-US" dirty="0"/>
-                    </a:p>
-                  </a:txBody>
-                  <a:tcPr/>
-                </a:tc>
-                <a:tc>
-                  <a:txBody>
-                    <a:bodyPr/>
-                    <a:lstStyle/>
-                    <a:p>
-                      <a:pPr algn="ctr"/>
-                      <a:r>
-                        <a:rPr lang="en-US" dirty="0" smtClean="0"/>
-                        <a:t>O(n)</a:t>
-                      </a:r>
-                      <a:endParaRPr lang="en-US" dirty="0"/>
-                    </a:p>
-                  </a:txBody>
-                  <a:tcPr/>
-                </a:tc>
-              </a:tr>
-              <a:tr h="370840">
-                <a:tc>
-                  <a:txBody>
-                    <a:bodyPr/>
-                    <a:lstStyle/>
-                    <a:p>
-                      <a:r>
-                        <a:rPr lang="en-US" dirty="0" smtClean="0"/>
-                        <a:t>Split</a:t>
-                      </a:r>
-                      <a:endParaRPr lang="en-US" dirty="0"/>
-                    </a:p>
-                  </a:txBody>
-                  <a:tcPr/>
-                </a:tc>
-                <a:tc>
-                  <a:txBody>
-                    <a:bodyPr/>
-                    <a:lstStyle/>
-                    <a:p>
-                      <a:pPr algn="ctr"/>
-                      <a:r>
-                        <a:rPr lang="en-US" dirty="0" smtClean="0"/>
-                        <a:t>O(log n)</a:t>
-                      </a:r>
-                      <a:endParaRPr lang="en-US" dirty="0"/>
-                    </a:p>
-                  </a:txBody>
-                  <a:tcPr/>
-                </a:tc>
-                <a:tc>
-                  <a:txBody>
-                    <a:bodyPr/>
-                    <a:lstStyle/>
-                    <a:p>
-                      <a:pPr algn="ctr"/>
-                      <a:r>
-                        <a:rPr lang="en-US" dirty="0" smtClean="0"/>
-                        <a:t>O(1)</a:t>
-                      </a:r>
-                      <a:endParaRPr lang="en-US" dirty="0"/>
-                    </a:p>
-                  </a:txBody>
-                  <a:tcPr/>
-                </a:tc>
-              </a:tr>
-              <a:tr h="370840">
-                <a:tc>
-                  <a:txBody>
-                    <a:bodyPr/>
-                    <a:lstStyle/>
-                    <a:p>
-                      <a:r>
-                        <a:rPr lang="en-US" dirty="0" smtClean="0"/>
-                        <a:t>Insert</a:t>
-                      </a:r>
-                      <a:endParaRPr lang="en-US" dirty="0"/>
-                    </a:p>
-                  </a:txBody>
-                  <a:tcPr/>
-                </a:tc>
-                <a:tc>
-                  <a:txBody>
-                    <a:bodyPr/>
-                    <a:lstStyle/>
-                    <a:p>
-                      <a:pPr algn="ctr"/>
-                      <a:r>
-                        <a:rPr lang="en-US" dirty="0" smtClean="0"/>
-                        <a:t>O(log n)</a:t>
-                      </a:r>
-                      <a:endParaRPr lang="en-US" dirty="0"/>
-                    </a:p>
-                  </a:txBody>
-                  <a:tcPr/>
-                </a:tc>
-                <a:tc>
-                  <a:txBody>
-                    <a:bodyPr/>
-                    <a:lstStyle/>
-                    <a:p>
-                      <a:pPr algn="ctr"/>
-                      <a:r>
-                        <a:rPr lang="en-US" dirty="0" smtClean="0"/>
-                        <a:t>O(n)</a:t>
-                      </a:r>
-                      <a:endParaRPr lang="en-US" dirty="0"/>
-                    </a:p>
-                  </a:txBody>
-                  <a:tcPr/>
-                </a:tc>
-              </a:tr>
-              <a:tr h="370840">
-                <a:tc>
-                  <a:txBody>
-                    <a:bodyPr/>
-                    <a:lstStyle/>
-                    <a:p>
-                      <a:r>
-                        <a:rPr lang="en-US" dirty="0" smtClean="0"/>
-                        <a:t>Delete</a:t>
-                      </a:r>
-                      <a:endParaRPr lang="en-US" dirty="0"/>
-                    </a:p>
-                  </a:txBody>
-                  <a:tcPr/>
-                </a:tc>
-                <a:tc>
-                  <a:txBody>
-                    <a:bodyPr/>
-                    <a:lstStyle/>
-                    <a:p>
-                      <a:pPr algn="ctr"/>
-                      <a:r>
-                        <a:rPr lang="en-US" dirty="0" smtClean="0"/>
-                        <a:t>O(log n)</a:t>
-                      </a:r>
-                      <a:endParaRPr lang="en-US" dirty="0"/>
-                    </a:p>
-                  </a:txBody>
-                  <a:tcPr/>
-                </a:tc>
-                <a:tc>
-                  <a:txBody>
-                    <a:bodyPr/>
-                    <a:lstStyle/>
-                    <a:p>
-                      <a:pPr algn="ctr"/>
-                      <a:r>
-                        <a:rPr lang="en-US" dirty="0" smtClean="0"/>
-                        <a:t>O(n)</a:t>
-                      </a:r>
-                      <a:endParaRPr lang="en-US" dirty="0"/>
-                    </a:p>
-                  </a:txBody>
-                  <a:tcPr/>
+                  <a:tcPr anchor="ctr"/>
                 </a:tc>
               </a:tr>
             </a:tbl>
           </a:graphicData>
         </a:graphic>
       </p:graphicFrame>
+      <p:sp>
+        <p:nvSpPr>
+          <p:cNvPr id="3" name="TextBox 2"/>
+          <p:cNvSpPr txBox="1"/>
+          <p:nvPr/>
+        </p:nvSpPr>
+        <p:spPr>
+          <a:xfrm>
+            <a:off x="677334" y="3877733"/>
+            <a:ext cx="5774266" cy="923330"/>
+          </a:xfrm>
+          <a:prstGeom prst="rect">
+            <a:avLst/>
+          </a:prstGeom>
+          <a:noFill/>
+        </p:spPr>
+        <p:txBody>
+          <a:bodyPr wrap="square" rtlCol="0">
+            <a:spAutoFit/>
+          </a:bodyPr>
+          <a:lstStyle/>
+          <a:p>
+            <a:r>
+              <a:rPr lang="en-US" dirty="0" smtClean="0"/>
+              <a:t>b – breadth</a:t>
+            </a:r>
+            <a:endParaRPr lang="en-US" dirty="0"/>
+          </a:p>
+          <a:p>
+            <a:r>
+              <a:rPr lang="en-US" dirty="0"/>
+              <a:t>d</a:t>
+            </a:r>
+            <a:r>
+              <a:rPr lang="en-US" dirty="0" smtClean="0"/>
+              <a:t> - depth</a:t>
+            </a:r>
+          </a:p>
+          <a:p>
+            <a:r>
+              <a:rPr lang="en-US" dirty="0" smtClean="0"/>
+              <a:t>k – memory size</a:t>
+            </a:r>
+            <a:endParaRPr lang="en-US" dirty="0"/>
+          </a:p>
+        </p:txBody>
+      </p:sp>
     </p:spTree>
     <p:extLst>
       <p:ext uri="{BB962C8B-B14F-4D97-AF65-F5344CB8AC3E}">
